--- a/Counter_Malign_Information/4-Implement-For_Instructors/Lesson_Plans/Lesson_01-Creating_Synthetic_Content/Audio_Visual-Creating_Synthetic_Content/Instructor-Lesson_Slide-Create_AI_Content.pptx
+++ b/Counter_Malign_Information/4-Implement-For_Instructors/Lesson_Plans/Lesson_01-Creating_Synthetic_Content/Audio_Visual-Creating_Synthetic_Content/Instructor-Lesson_Slide-Create_AI_Content.pptx
@@ -5,7 +5,7 @@
     <p:sldMasterId id="2147483648" r:id="rId1"/>
   </p:sldMasterIdLst>
   <p:notesMasterIdLst>
-    <p:notesMasterId r:id="rId27"/>
+    <p:notesMasterId r:id="rId29"/>
   </p:notesMasterIdLst>
   <p:sldIdLst>
     <p:sldId id="256" r:id="rId2"/>
@@ -27,12 +27,14 @@
     <p:sldId id="274" r:id="rId18"/>
     <p:sldId id="275" r:id="rId19"/>
     <p:sldId id="276" r:id="rId20"/>
-    <p:sldId id="269" r:id="rId21"/>
-    <p:sldId id="270" r:id="rId22"/>
-    <p:sldId id="267" r:id="rId23"/>
-    <p:sldId id="268" r:id="rId24"/>
-    <p:sldId id="271" r:id="rId25"/>
-    <p:sldId id="272" r:id="rId26"/>
+    <p:sldId id="283" r:id="rId21"/>
+    <p:sldId id="281" r:id="rId22"/>
+    <p:sldId id="284" r:id="rId23"/>
+    <p:sldId id="282" r:id="rId24"/>
+    <p:sldId id="267" r:id="rId25"/>
+    <p:sldId id="268" r:id="rId26"/>
+    <p:sldId id="271" r:id="rId27"/>
+    <p:sldId id="272" r:id="rId28"/>
   </p:sldIdLst>
   <p:sldSz cx="12192000" cy="6858000"/>
   <p:notesSz cx="6858000" cy="9144000"/>
@@ -670,6 +672,502 @@
 </p:notes>
 </file>
 
+<file path=ppt/notesSlides/notesSlide2.xml><?xml version="1.0" encoding="utf-8"?>
+<p:notes xmlns:a="http://schemas.openxmlformats.org/drawingml/2006/main" xmlns:r="http://schemas.openxmlformats.org/officeDocument/2006/relationships" xmlns:p="http://schemas.openxmlformats.org/presentationml/2006/main">
+  <p:cSld>
+    <p:spTree>
+      <p:nvGrpSpPr>
+        <p:cNvPr id="1" name=""/>
+        <p:cNvGrpSpPr/>
+        <p:nvPr/>
+      </p:nvGrpSpPr>
+      <p:grpSpPr>
+        <a:xfrm>
+          <a:off x="0" y="0"/>
+          <a:ext cx="0" cy="0"/>
+          <a:chOff x="0" y="0"/>
+          <a:chExt cx="0" cy="0"/>
+        </a:xfrm>
+      </p:grpSpPr>
+      <p:sp>
+        <p:nvSpPr>
+          <p:cNvPr id="2" name="Slide Image Placeholder 1"/>
+          <p:cNvSpPr>
+            <a:spLocks noGrp="1" noRot="1" noChangeAspect="1"/>
+          </p:cNvSpPr>
+          <p:nvPr>
+            <p:ph type="sldImg"/>
+          </p:nvPr>
+        </p:nvSpPr>
+        <p:spPr>
+          <a:xfrm>
+            <a:off x="381000" y="685800"/>
+            <a:ext cx="6096000" cy="3429000"/>
+          </a:xfrm>
+        </p:spPr>
+      </p:sp>
+      <p:sp>
+        <p:nvSpPr>
+          <p:cNvPr id="3" name="Notes Placeholder 2"/>
+          <p:cNvSpPr>
+            <a:spLocks noGrp="1"/>
+          </p:cNvSpPr>
+          <p:nvPr>
+            <p:ph type="body" idx="1"/>
+          </p:nvPr>
+        </p:nvSpPr>
+        <p:spPr/>
+        <p:txBody>
+          <a:bodyPr/>
+          <a:lstStyle/>
+          <a:p>
+            <a:endParaRPr lang="en-US" dirty="0"/>
+          </a:p>
+        </p:txBody>
+      </p:sp>
+    </p:spTree>
+    <p:extLst>
+      <p:ext uri="{BB962C8B-B14F-4D97-AF65-F5344CB8AC3E}">
+        <p14:creationId xmlns:p14="http://schemas.microsoft.com/office/powerpoint/2010/main" val="4063643676"/>
+      </p:ext>
+    </p:extLst>
+  </p:cSld>
+  <p:clrMapOvr>
+    <a:masterClrMapping/>
+  </p:clrMapOvr>
+</p:notes>
+</file>
+
+<file path=ppt/notesSlides/notesSlide3.xml><?xml version="1.0" encoding="utf-8"?>
+<p:notes xmlns:a="http://schemas.openxmlformats.org/drawingml/2006/main" xmlns:r="http://schemas.openxmlformats.org/officeDocument/2006/relationships" xmlns:p="http://schemas.openxmlformats.org/presentationml/2006/main">
+  <p:cSld>
+    <p:spTree>
+      <p:nvGrpSpPr>
+        <p:cNvPr id="1" name=""/>
+        <p:cNvGrpSpPr/>
+        <p:nvPr/>
+      </p:nvGrpSpPr>
+      <p:grpSpPr>
+        <a:xfrm>
+          <a:off x="0" y="0"/>
+          <a:ext cx="0" cy="0"/>
+          <a:chOff x="0" y="0"/>
+          <a:chExt cx="0" cy="0"/>
+        </a:xfrm>
+      </p:grpSpPr>
+      <p:sp>
+        <p:nvSpPr>
+          <p:cNvPr id="2" name="Slide Image Placeholder 1"/>
+          <p:cNvSpPr>
+            <a:spLocks noGrp="1" noRot="1" noChangeAspect="1"/>
+          </p:cNvSpPr>
+          <p:nvPr>
+            <p:ph type="sldImg"/>
+          </p:nvPr>
+        </p:nvSpPr>
+        <p:spPr>
+          <a:xfrm>
+            <a:off x="381000" y="685800"/>
+            <a:ext cx="6096000" cy="3429000"/>
+          </a:xfrm>
+        </p:spPr>
+      </p:sp>
+      <p:sp>
+        <p:nvSpPr>
+          <p:cNvPr id="3" name="Notes Placeholder 2"/>
+          <p:cNvSpPr>
+            <a:spLocks noGrp="1"/>
+          </p:cNvSpPr>
+          <p:nvPr>
+            <p:ph type="body" idx="1"/>
+          </p:nvPr>
+        </p:nvSpPr>
+        <p:spPr/>
+        <p:txBody>
+          <a:bodyPr/>
+          <a:lstStyle/>
+          <a:p>
+            <a:pPr marL="171450" indent="-171450">
+              <a:buFontTx/>
+              <a:buChar char="-"/>
+            </a:pPr>
+            <a:r>
+              <a:rPr lang="en-US" dirty="0"/>
+              <a:t>In what new ways could you apply this lesson at your organization?</a:t>
+            </a:r>
+          </a:p>
+          <a:p>
+            <a:pPr marL="171450" indent="-171450">
+              <a:buFontTx/>
+              <a:buChar char="-"/>
+            </a:pPr>
+            <a:r>
+              <a:rPr lang="en-US" dirty="0"/>
+              <a:t>What obstacles do you think you will face applying this at your organization?</a:t>
+            </a:r>
+          </a:p>
+          <a:p>
+            <a:pPr marL="171450" lvl="1" indent="-171450">
+              <a:buFontTx/>
+              <a:buChar char="-"/>
+            </a:pPr>
+            <a:r>
+              <a:rPr lang="en-US" dirty="0"/>
+              <a:t>How can you overcome those obstacles? </a:t>
+            </a:r>
+          </a:p>
+          <a:p>
+            <a:pPr marL="171450" lvl="1" indent="-171450">
+              <a:buFontTx/>
+              <a:buChar char="-"/>
+            </a:pPr>
+            <a:r>
+              <a:rPr lang="en-US" dirty="0"/>
+              <a:t>Who else should learn about this?</a:t>
+            </a:r>
+          </a:p>
+        </p:txBody>
+      </p:sp>
+    </p:spTree>
+    <p:extLst>
+      <p:ext uri="{BB962C8B-B14F-4D97-AF65-F5344CB8AC3E}">
+        <p14:creationId xmlns:p14="http://schemas.microsoft.com/office/powerpoint/2010/main" val="649645249"/>
+      </p:ext>
+    </p:extLst>
+  </p:cSld>
+  <p:clrMapOvr>
+    <a:masterClrMapping/>
+  </p:clrMapOvr>
+</p:notes>
+</file>
+
+<file path=ppt/notesSlides/notesSlide4.xml><?xml version="1.0" encoding="utf-8"?>
+<p:notes xmlns:a="http://schemas.openxmlformats.org/drawingml/2006/main" xmlns:r="http://schemas.openxmlformats.org/officeDocument/2006/relationships" xmlns:p="http://schemas.openxmlformats.org/presentationml/2006/main">
+  <p:cSld>
+    <p:spTree>
+      <p:nvGrpSpPr>
+        <p:cNvPr id="1" name=""/>
+        <p:cNvGrpSpPr/>
+        <p:nvPr/>
+      </p:nvGrpSpPr>
+      <p:grpSpPr>
+        <a:xfrm>
+          <a:off x="0" y="0"/>
+          <a:ext cx="0" cy="0"/>
+          <a:chOff x="0" y="0"/>
+          <a:chExt cx="0" cy="0"/>
+        </a:xfrm>
+      </p:grpSpPr>
+      <p:sp>
+        <p:nvSpPr>
+          <p:cNvPr id="2" name="Slide Image Placeholder 1"/>
+          <p:cNvSpPr>
+            <a:spLocks noGrp="1" noRot="1" noChangeAspect="1"/>
+          </p:cNvSpPr>
+          <p:nvPr>
+            <p:ph type="sldImg"/>
+          </p:nvPr>
+        </p:nvSpPr>
+        <p:spPr>
+          <a:xfrm>
+            <a:off x="381000" y="685800"/>
+            <a:ext cx="6096000" cy="3429000"/>
+          </a:xfrm>
+        </p:spPr>
+      </p:sp>
+      <p:sp>
+        <p:nvSpPr>
+          <p:cNvPr id="3" name="Notes Placeholder 2"/>
+          <p:cNvSpPr>
+            <a:spLocks noGrp="1"/>
+          </p:cNvSpPr>
+          <p:nvPr>
+            <p:ph type="body" idx="1"/>
+          </p:nvPr>
+        </p:nvSpPr>
+        <p:spPr/>
+        <p:txBody>
+          <a:bodyPr/>
+          <a:lstStyle/>
+          <a:p>
+            <a:r>
+              <a:rPr lang="en-US" dirty="0"/>
+              <a:t>¿De </a:t>
+            </a:r>
+            <a:r>
+              <a:rPr lang="en-US" dirty="0" err="1"/>
+              <a:t>qué</a:t>
+            </a:r>
+            <a:r>
+              <a:rPr lang="en-US" dirty="0"/>
+              <a:t> </a:t>
+            </a:r>
+            <a:r>
+              <a:rPr lang="en-US" dirty="0" err="1"/>
+              <a:t>nuevas</a:t>
+            </a:r>
+            <a:r>
+              <a:rPr lang="en-US" dirty="0"/>
+              <a:t> </a:t>
+            </a:r>
+            <a:r>
+              <a:rPr lang="en-US" dirty="0" err="1"/>
+              <a:t>maneras</a:t>
+            </a:r>
+            <a:r>
+              <a:rPr lang="en-US" dirty="0"/>
+              <a:t> </a:t>
+            </a:r>
+            <a:r>
+              <a:rPr lang="en-US" dirty="0" err="1"/>
+              <a:t>podría</a:t>
+            </a:r>
+            <a:r>
+              <a:rPr lang="en-US" dirty="0"/>
+              <a:t> </a:t>
+            </a:r>
+            <a:r>
+              <a:rPr lang="en-US" dirty="0" err="1"/>
+              <a:t>aplicar</a:t>
+            </a:r>
+            <a:r>
+              <a:rPr lang="en-US" dirty="0"/>
+              <a:t> </a:t>
+            </a:r>
+            <a:r>
+              <a:rPr lang="en-US" dirty="0" err="1"/>
+              <a:t>esta</a:t>
+            </a:r>
+            <a:r>
+              <a:rPr lang="en-US" dirty="0"/>
+              <a:t> </a:t>
+            </a:r>
+            <a:r>
+              <a:rPr lang="en-US" dirty="0" err="1"/>
+              <a:t>lección</a:t>
+            </a:r>
+            <a:r>
+              <a:rPr lang="en-US" dirty="0"/>
+              <a:t> </a:t>
+            </a:r>
+            <a:r>
+              <a:rPr lang="en-US" dirty="0" err="1"/>
+              <a:t>en</a:t>
+            </a:r>
+            <a:r>
+              <a:rPr lang="en-US" dirty="0"/>
+              <a:t> </a:t>
+            </a:r>
+            <a:r>
+              <a:rPr lang="en-US" dirty="0" err="1"/>
+              <a:t>su</a:t>
+            </a:r>
+            <a:r>
+              <a:rPr lang="en-US" dirty="0"/>
+              <a:t> </a:t>
+            </a:r>
+            <a:r>
+              <a:rPr lang="en-US" dirty="0" err="1"/>
+              <a:t>organización</a:t>
+            </a:r>
+            <a:r>
+              <a:rPr lang="en-US" dirty="0"/>
+              <a:t>?</a:t>
+            </a:r>
+          </a:p>
+          <a:p>
+            <a:r>
+              <a:rPr lang="en-US" dirty="0"/>
+              <a:t>¿</a:t>
+            </a:r>
+            <a:r>
+              <a:rPr lang="en-US" dirty="0" err="1"/>
+              <a:t>Qué</a:t>
+            </a:r>
+            <a:r>
+              <a:rPr lang="en-US" dirty="0"/>
+              <a:t> </a:t>
+            </a:r>
+            <a:r>
+              <a:rPr lang="en-US" dirty="0" err="1"/>
+              <a:t>obstáculos</a:t>
+            </a:r>
+            <a:r>
+              <a:rPr lang="en-US" dirty="0"/>
+              <a:t> </a:t>
+            </a:r>
+            <a:r>
+              <a:rPr lang="en-US" dirty="0" err="1"/>
+              <a:t>cree</a:t>
+            </a:r>
+            <a:r>
+              <a:rPr lang="en-US" dirty="0"/>
+              <a:t> que </a:t>
+            </a:r>
+            <a:r>
+              <a:rPr lang="en-US" dirty="0" err="1"/>
+              <a:t>enfrentará</a:t>
+            </a:r>
+            <a:r>
+              <a:rPr lang="en-US" dirty="0"/>
+              <a:t> al </a:t>
+            </a:r>
+            <a:r>
+              <a:rPr lang="en-US" dirty="0" err="1"/>
+              <a:t>aplicar</a:t>
+            </a:r>
+            <a:r>
+              <a:rPr lang="en-US" dirty="0"/>
+              <a:t> </a:t>
+            </a:r>
+            <a:r>
+              <a:rPr lang="en-US" dirty="0" err="1"/>
+              <a:t>esto</a:t>
+            </a:r>
+            <a:r>
+              <a:rPr lang="en-US" dirty="0"/>
+              <a:t> </a:t>
+            </a:r>
+            <a:r>
+              <a:rPr lang="en-US" dirty="0" err="1"/>
+              <a:t>en</a:t>
+            </a:r>
+            <a:r>
+              <a:rPr lang="en-US" dirty="0"/>
+              <a:t> </a:t>
+            </a:r>
+            <a:r>
+              <a:rPr lang="en-US" dirty="0" err="1"/>
+              <a:t>su</a:t>
+            </a:r>
+            <a:r>
+              <a:rPr lang="en-US" dirty="0"/>
+              <a:t> </a:t>
+            </a:r>
+            <a:r>
+              <a:rPr lang="en-US" dirty="0" err="1"/>
+              <a:t>organización</a:t>
+            </a:r>
+            <a:r>
+              <a:rPr lang="en-US" dirty="0"/>
+              <a:t>?</a:t>
+            </a:r>
+          </a:p>
+          <a:p>
+            <a:r>
+              <a:rPr lang="en-US" dirty="0"/>
+              <a:t>¿</a:t>
+            </a:r>
+            <a:r>
+              <a:rPr lang="en-US" dirty="0" err="1"/>
+              <a:t>Cómo</a:t>
+            </a:r>
+            <a:r>
+              <a:rPr lang="en-US" dirty="0"/>
+              <a:t> </a:t>
+            </a:r>
+            <a:r>
+              <a:rPr lang="en-US" dirty="0" err="1"/>
+              <a:t>puedes</a:t>
+            </a:r>
+            <a:r>
+              <a:rPr lang="en-US" dirty="0"/>
+              <a:t> </a:t>
+            </a:r>
+            <a:r>
+              <a:rPr lang="en-US" dirty="0" err="1"/>
+              <a:t>superar</a:t>
+            </a:r>
+            <a:r>
+              <a:rPr lang="en-US" dirty="0"/>
+              <a:t> </a:t>
+            </a:r>
+            <a:r>
+              <a:rPr lang="en-US" dirty="0" err="1"/>
+              <a:t>esos</a:t>
+            </a:r>
+            <a:r>
+              <a:rPr lang="en-US" dirty="0"/>
+              <a:t> </a:t>
+            </a:r>
+            <a:r>
+              <a:rPr lang="en-US" dirty="0" err="1"/>
+              <a:t>obstáculos</a:t>
+            </a:r>
+            <a:r>
+              <a:rPr lang="en-US" dirty="0"/>
+              <a:t>?</a:t>
+            </a:r>
+          </a:p>
+          <a:p>
+            <a:r>
+              <a:rPr lang="en-US" dirty="0"/>
+              <a:t>¿</a:t>
+            </a:r>
+            <a:r>
+              <a:rPr lang="en-US" dirty="0" err="1"/>
+              <a:t>Quién</a:t>
+            </a:r>
+            <a:r>
+              <a:rPr lang="en-US" dirty="0"/>
+              <a:t> </a:t>
+            </a:r>
+            <a:r>
+              <a:rPr lang="en-US" dirty="0" err="1"/>
+              <a:t>más</a:t>
+            </a:r>
+            <a:r>
+              <a:rPr lang="en-US" dirty="0"/>
+              <a:t> </a:t>
+            </a:r>
+            <a:r>
+              <a:rPr lang="en-US" dirty="0" err="1"/>
+              <a:t>debería</a:t>
+            </a:r>
+            <a:r>
+              <a:rPr lang="en-US" dirty="0"/>
+              <a:t> </a:t>
+            </a:r>
+            <a:r>
+              <a:rPr lang="en-US" dirty="0" err="1"/>
+              <a:t>aprender</a:t>
+            </a:r>
+            <a:r>
+              <a:rPr lang="en-US" dirty="0"/>
+              <a:t> </a:t>
+            </a:r>
+            <a:r>
+              <a:rPr lang="en-US" dirty="0" err="1"/>
+              <a:t>sobre</a:t>
+            </a:r>
+            <a:r>
+              <a:rPr lang="en-US" dirty="0"/>
+              <a:t> </a:t>
+            </a:r>
+            <a:r>
+              <a:rPr lang="en-US" dirty="0" err="1"/>
+              <a:t>esto</a:t>
+            </a:r>
+            <a:r>
+              <a:rPr lang="en-US" dirty="0"/>
+              <a:t>?</a:t>
+            </a:r>
+          </a:p>
+        </p:txBody>
+      </p:sp>
+    </p:spTree>
+    <p:extLst>
+      <p:ext uri="{BB962C8B-B14F-4D97-AF65-F5344CB8AC3E}">
+        <p14:creationId xmlns:p14="http://schemas.microsoft.com/office/powerpoint/2010/main" val="2696544768"/>
+      </p:ext>
+    </p:extLst>
+  </p:cSld>
+  <p:clrMapOvr>
+    <a:masterClrMapping/>
+  </p:clrMapOvr>
+</p:notes>
+</file>
+
 <file path=ppt/slideLayouts/slideLayout1.xml><?xml version="1.0" encoding="utf-8"?>
 <p:sldLayout xmlns:a="http://schemas.openxmlformats.org/drawingml/2006/main" xmlns:r="http://schemas.openxmlformats.org/officeDocument/2006/relationships" xmlns:p="http://schemas.openxmlformats.org/presentationml/2006/main" type="title">
   <p:cSld name="Title Slide">
@@ -2455,7 +2953,7 @@
           </a:ln>
           <a:extLst>
             <a:ext uri="{C572A759-6A51-4108-AA02-DFA0A04FC94B}">
-              <ma14:wrappingTextBoxFlag xmlns:ma14="http://schemas.microsoft.com/office/mac/drawingml/2011/main" xmlns:a14="http://schemas.microsoft.com/office/drawing/2010/main" xmlns:m="http://schemas.openxmlformats.org/officeDocument/2006/math" xmlns="" val="1"/>
+              <ma14:wrappingTextBoxFlag xmlns="" xmlns:m="http://schemas.openxmlformats.org/officeDocument/2006/math" xmlns:a14="http://schemas.microsoft.com/office/drawing/2010/main" xmlns:ma14="http://schemas.microsoft.com/office/mac/drawingml/2011/main" val="1"/>
             </a:ext>
           </a:extLst>
         </p:spPr>
@@ -2494,7 +2992,7 @@
           </a:ln>
           <a:extLst>
             <a:ext uri="{C572A759-6A51-4108-AA02-DFA0A04FC94B}">
-              <ma14:wrappingTextBoxFlag xmlns:ma14="http://schemas.microsoft.com/office/mac/drawingml/2011/main" xmlns:a14="http://schemas.microsoft.com/office/drawing/2010/main" xmlns:m="http://schemas.openxmlformats.org/officeDocument/2006/math" xmlns="" val="1"/>
+              <ma14:wrappingTextBoxFlag xmlns="" xmlns:m="http://schemas.openxmlformats.org/officeDocument/2006/math" xmlns:a14="http://schemas.microsoft.com/office/drawing/2010/main" xmlns:ma14="http://schemas.microsoft.com/office/mac/drawingml/2011/main" val="1"/>
             </a:ext>
           </a:extLst>
         </p:spPr>
@@ -3440,7 +3938,7 @@
           </a:prstGeom>
           <a:extLst>
             <a:ext uri="{C572A759-6A51-4108-AA02-DFA0A04FC94B}">
-              <ma14:wrappingTextBoxFlag xmlns:ma14="http://schemas.microsoft.com/office/mac/drawingml/2011/main" xmlns:a14="http://schemas.microsoft.com/office/drawing/2010/main" xmlns:m="http://schemas.openxmlformats.org/officeDocument/2006/math" xmlns="" val="1"/>
+              <ma14:wrappingTextBoxFlag xmlns="" xmlns:m="http://schemas.openxmlformats.org/officeDocument/2006/math" xmlns:a14="http://schemas.microsoft.com/office/drawing/2010/main" xmlns:ma14="http://schemas.microsoft.com/office/mac/drawingml/2011/main" val="1"/>
             </a:ext>
           </a:extLst>
         </p:spPr>
@@ -3481,7 +3979,7 @@
           </a:ln>
           <a:extLst>
             <a:ext uri="{C572A759-6A51-4108-AA02-DFA0A04FC94B}">
-              <ma14:wrappingTextBoxFlag xmlns:ma14="http://schemas.microsoft.com/office/mac/drawingml/2011/main" xmlns:a14="http://schemas.microsoft.com/office/drawing/2010/main" xmlns:m="http://schemas.openxmlformats.org/officeDocument/2006/math" xmlns="" val="1"/>
+              <ma14:wrappingTextBoxFlag xmlns="" xmlns:m="http://schemas.openxmlformats.org/officeDocument/2006/math" xmlns:a14="http://schemas.microsoft.com/office/drawing/2010/main" xmlns:ma14="http://schemas.microsoft.com/office/mac/drawingml/2011/main" val="1"/>
             </a:ext>
           </a:extLst>
         </p:spPr>
@@ -3522,7 +4020,7 @@
           </a:ln>
           <a:extLst>
             <a:ext uri="{C572A759-6A51-4108-AA02-DFA0A04FC94B}">
-              <ma14:wrappingTextBoxFlag xmlns:ma14="http://schemas.microsoft.com/office/mac/drawingml/2011/main" xmlns:a14="http://schemas.microsoft.com/office/drawing/2010/main" xmlns:m="http://schemas.openxmlformats.org/officeDocument/2006/math" xmlns="" val="1"/>
+              <ma14:wrappingTextBoxFlag xmlns="" xmlns:m="http://schemas.openxmlformats.org/officeDocument/2006/math" xmlns:a14="http://schemas.microsoft.com/office/drawing/2010/main" xmlns:ma14="http://schemas.microsoft.com/office/mac/drawingml/2011/main" val="1"/>
             </a:ext>
           </a:extLst>
         </p:spPr>
@@ -3563,7 +4061,7 @@
           </a:ln>
           <a:extLst>
             <a:ext uri="{C572A759-6A51-4108-AA02-DFA0A04FC94B}">
-              <ma14:wrappingTextBoxFlag xmlns:ma14="http://schemas.microsoft.com/office/mac/drawingml/2011/main" xmlns:a14="http://schemas.microsoft.com/office/drawing/2010/main" xmlns:m="http://schemas.openxmlformats.org/officeDocument/2006/math" xmlns="" val="1"/>
+              <ma14:wrappingTextBoxFlag xmlns="" xmlns:m="http://schemas.openxmlformats.org/officeDocument/2006/math" xmlns:a14="http://schemas.microsoft.com/office/drawing/2010/main" xmlns:ma14="http://schemas.microsoft.com/office/mac/drawingml/2011/main" val="1"/>
             </a:ext>
           </a:extLst>
         </p:spPr>
@@ -3610,7 +4108,7 @@
           </a:ln>
           <a:extLst>
             <a:ext uri="{C572A759-6A51-4108-AA02-DFA0A04FC94B}">
-              <ma14:wrappingTextBoxFlag xmlns:ma14="http://schemas.microsoft.com/office/mac/drawingml/2011/main" xmlns:a14="http://schemas.microsoft.com/office/drawing/2010/main" xmlns:m="http://schemas.openxmlformats.org/officeDocument/2006/math" xmlns="" val="1"/>
+              <ma14:wrappingTextBoxFlag xmlns="" xmlns:m="http://schemas.openxmlformats.org/officeDocument/2006/math" xmlns:a14="http://schemas.microsoft.com/office/drawing/2010/main" xmlns:ma14="http://schemas.microsoft.com/office/mac/drawingml/2011/main" val="1"/>
             </a:ext>
           </a:extLst>
         </p:spPr>
@@ -3805,7 +4303,7 @@
           </a:prstGeom>
           <a:extLst>
             <a:ext uri="{C572A759-6A51-4108-AA02-DFA0A04FC94B}">
-              <ma14:wrappingTextBoxFlag xmlns:ma14="http://schemas.microsoft.com/office/mac/drawingml/2011/main" xmlns:a14="http://schemas.microsoft.com/office/drawing/2010/main" xmlns:m="http://schemas.openxmlformats.org/officeDocument/2006/math" xmlns="" val="1"/>
+              <ma14:wrappingTextBoxFlag xmlns="" xmlns:m="http://schemas.openxmlformats.org/officeDocument/2006/math" xmlns:a14="http://schemas.microsoft.com/office/drawing/2010/main" xmlns:ma14="http://schemas.microsoft.com/office/mac/drawingml/2011/main" val="1"/>
             </a:ext>
           </a:extLst>
         </p:spPr>
@@ -3852,7 +4350,7 @@
           </a:ln>
           <a:extLst>
             <a:ext uri="{C572A759-6A51-4108-AA02-DFA0A04FC94B}">
-              <ma14:wrappingTextBoxFlag xmlns:ma14="http://schemas.microsoft.com/office/mac/drawingml/2011/main" xmlns:a14="http://schemas.microsoft.com/office/drawing/2010/main" xmlns:m="http://schemas.openxmlformats.org/officeDocument/2006/math" xmlns="" val="1"/>
+              <ma14:wrappingTextBoxFlag xmlns="" xmlns:m="http://schemas.openxmlformats.org/officeDocument/2006/math" xmlns:a14="http://schemas.microsoft.com/office/drawing/2010/main" xmlns:ma14="http://schemas.microsoft.com/office/mac/drawingml/2011/main" val="1"/>
             </a:ext>
           </a:extLst>
         </p:spPr>
@@ -3925,7 +4423,7 @@
           </a:ln>
           <a:extLst>
             <a:ext uri="{C572A759-6A51-4108-AA02-DFA0A04FC94B}">
-              <ma14:wrappingTextBoxFlag xmlns:ma14="http://schemas.microsoft.com/office/mac/drawingml/2011/main" xmlns:a14="http://schemas.microsoft.com/office/drawing/2010/main" xmlns:m="http://schemas.openxmlformats.org/officeDocument/2006/math" xmlns="" val="1"/>
+              <ma14:wrappingTextBoxFlag xmlns="" xmlns:m="http://schemas.openxmlformats.org/officeDocument/2006/math" xmlns:a14="http://schemas.microsoft.com/office/drawing/2010/main" xmlns:ma14="http://schemas.microsoft.com/office/mac/drawingml/2011/main" val="1"/>
             </a:ext>
           </a:extLst>
         </p:spPr>
@@ -3994,7 +4492,7 @@
           </a:ln>
           <a:extLst>
             <a:ext uri="{C572A759-6A51-4108-AA02-DFA0A04FC94B}">
-              <ma14:wrappingTextBoxFlag xmlns:ma14="http://schemas.microsoft.com/office/mac/drawingml/2011/main" xmlns:a14="http://schemas.microsoft.com/office/drawing/2010/main" xmlns:m="http://schemas.openxmlformats.org/officeDocument/2006/math" xmlns="" val="1"/>
+              <ma14:wrappingTextBoxFlag xmlns="" xmlns:m="http://schemas.openxmlformats.org/officeDocument/2006/math" xmlns:a14="http://schemas.microsoft.com/office/drawing/2010/main" xmlns:ma14="http://schemas.microsoft.com/office/mac/drawingml/2011/main" val="1"/>
             </a:ext>
           </a:extLst>
         </p:spPr>
@@ -4125,7 +4623,7 @@
           </a:prstGeom>
           <a:extLst>
             <a:ext uri="{C572A759-6A51-4108-AA02-DFA0A04FC94B}">
-              <ma14:wrappingTextBoxFlag xmlns:ma14="http://schemas.microsoft.com/office/mac/drawingml/2011/main" xmlns:a14="http://schemas.microsoft.com/office/drawing/2010/main" xmlns:m="http://schemas.openxmlformats.org/officeDocument/2006/math" xmlns="" val="1"/>
+              <ma14:wrappingTextBoxFlag xmlns="" xmlns:m="http://schemas.openxmlformats.org/officeDocument/2006/math" xmlns:a14="http://schemas.microsoft.com/office/drawing/2010/main" xmlns:ma14="http://schemas.microsoft.com/office/mac/drawingml/2011/main" val="1"/>
             </a:ext>
           </a:extLst>
         </p:spPr>
@@ -4172,7 +4670,7 @@
           </a:ln>
           <a:extLst>
             <a:ext uri="{C572A759-6A51-4108-AA02-DFA0A04FC94B}">
-              <ma14:wrappingTextBoxFlag xmlns:ma14="http://schemas.microsoft.com/office/mac/drawingml/2011/main" xmlns:a14="http://schemas.microsoft.com/office/drawing/2010/main" xmlns:m="http://schemas.openxmlformats.org/officeDocument/2006/math" xmlns="" val="1"/>
+              <ma14:wrappingTextBoxFlag xmlns="" xmlns:m="http://schemas.openxmlformats.org/officeDocument/2006/math" xmlns:a14="http://schemas.microsoft.com/office/drawing/2010/main" xmlns:ma14="http://schemas.microsoft.com/office/mac/drawingml/2011/main" val="1"/>
             </a:ext>
           </a:extLst>
         </p:spPr>
@@ -4269,7 +4767,7 @@
           </a:ln>
           <a:extLst>
             <a:ext uri="{C572A759-6A51-4108-AA02-DFA0A04FC94B}">
-              <ma14:wrappingTextBoxFlag xmlns:ma14="http://schemas.microsoft.com/office/mac/drawingml/2011/main" xmlns:a14="http://schemas.microsoft.com/office/drawing/2010/main" xmlns:m="http://schemas.openxmlformats.org/officeDocument/2006/math" xmlns="" val="1"/>
+              <ma14:wrappingTextBoxFlag xmlns="" xmlns:m="http://schemas.openxmlformats.org/officeDocument/2006/math" xmlns:a14="http://schemas.microsoft.com/office/drawing/2010/main" xmlns:ma14="http://schemas.microsoft.com/office/mac/drawingml/2011/main" val="1"/>
             </a:ext>
           </a:extLst>
         </p:spPr>
@@ -4366,7 +4864,7 @@
           </a:ln>
           <a:extLst>
             <a:ext uri="{C572A759-6A51-4108-AA02-DFA0A04FC94B}">
-              <ma14:wrappingTextBoxFlag xmlns:ma14="http://schemas.microsoft.com/office/mac/drawingml/2011/main" xmlns:a14="http://schemas.microsoft.com/office/drawing/2010/main" xmlns:m="http://schemas.openxmlformats.org/officeDocument/2006/math" xmlns="" val="1"/>
+              <ma14:wrappingTextBoxFlag xmlns="" xmlns:m="http://schemas.openxmlformats.org/officeDocument/2006/math" xmlns:a14="http://schemas.microsoft.com/office/drawing/2010/main" xmlns:ma14="http://schemas.microsoft.com/office/mac/drawingml/2011/main" val="1"/>
             </a:ext>
           </a:extLst>
         </p:spPr>
@@ -5789,7 +6287,7 @@
           </a:prstGeom>
           <a:extLst>
             <a:ext uri="{C572A759-6A51-4108-AA02-DFA0A04FC94B}">
-              <ma14:wrappingTextBoxFlag xmlns:ma14="http://schemas.microsoft.com/office/mac/drawingml/2011/main" xmlns:a14="http://schemas.microsoft.com/office/drawing/2010/main" xmlns:m="http://schemas.openxmlformats.org/officeDocument/2006/math" xmlns="" val="1"/>
+              <ma14:wrappingTextBoxFlag xmlns="" xmlns:m="http://schemas.openxmlformats.org/officeDocument/2006/math" xmlns:a14="http://schemas.microsoft.com/office/drawing/2010/main" xmlns:ma14="http://schemas.microsoft.com/office/mac/drawingml/2011/main" val="1"/>
             </a:ext>
           </a:extLst>
         </p:spPr>
@@ -5836,7 +6334,7 @@
           </a:ln>
           <a:extLst>
             <a:ext uri="{C572A759-6A51-4108-AA02-DFA0A04FC94B}">
-              <ma14:wrappingTextBoxFlag xmlns:ma14="http://schemas.microsoft.com/office/mac/drawingml/2011/main" xmlns:a14="http://schemas.microsoft.com/office/drawing/2010/main" xmlns:m="http://schemas.openxmlformats.org/officeDocument/2006/math" xmlns="" val="1"/>
+              <ma14:wrappingTextBoxFlag xmlns="" xmlns:m="http://schemas.openxmlformats.org/officeDocument/2006/math" xmlns:a14="http://schemas.microsoft.com/office/drawing/2010/main" xmlns:ma14="http://schemas.microsoft.com/office/mac/drawingml/2011/main" val="1"/>
             </a:ext>
           </a:extLst>
         </p:spPr>
@@ -5909,7 +6407,7 @@
           </a:ln>
           <a:extLst>
             <a:ext uri="{C572A759-6A51-4108-AA02-DFA0A04FC94B}">
-              <ma14:wrappingTextBoxFlag xmlns:ma14="http://schemas.microsoft.com/office/mac/drawingml/2011/main" xmlns:a14="http://schemas.microsoft.com/office/drawing/2010/main" xmlns:m="http://schemas.openxmlformats.org/officeDocument/2006/math" xmlns="" val="1"/>
+              <ma14:wrappingTextBoxFlag xmlns="" xmlns:m="http://schemas.openxmlformats.org/officeDocument/2006/math" xmlns:a14="http://schemas.microsoft.com/office/drawing/2010/main" xmlns:ma14="http://schemas.microsoft.com/office/mac/drawingml/2011/main" val="1"/>
             </a:ext>
           </a:extLst>
         </p:spPr>
@@ -5978,7 +6476,7 @@
           </a:ln>
           <a:extLst>
             <a:ext uri="{C572A759-6A51-4108-AA02-DFA0A04FC94B}">
-              <ma14:wrappingTextBoxFlag xmlns:ma14="http://schemas.microsoft.com/office/mac/drawingml/2011/main" xmlns:a14="http://schemas.microsoft.com/office/drawing/2010/main" xmlns:m="http://schemas.openxmlformats.org/officeDocument/2006/math" xmlns="" val="1"/>
+              <ma14:wrappingTextBoxFlag xmlns="" xmlns:m="http://schemas.openxmlformats.org/officeDocument/2006/math" xmlns:a14="http://schemas.microsoft.com/office/drawing/2010/main" xmlns:ma14="http://schemas.microsoft.com/office/mac/drawingml/2011/main" val="1"/>
             </a:ext>
           </a:extLst>
         </p:spPr>
@@ -6345,7 +6843,7 @@
           </a:prstGeom>
           <a:extLst>
             <a:ext uri="{C572A759-6A51-4108-AA02-DFA0A04FC94B}">
-              <ma14:wrappingTextBoxFlag xmlns="" xmlns:m="http://schemas.openxmlformats.org/officeDocument/2006/math" xmlns:a14="http://schemas.microsoft.com/office/drawing/2010/main" xmlns:ma14="http://schemas.microsoft.com/office/mac/drawingml/2011/main" val="1"/>
+              <ma14:wrappingTextBoxFlag xmlns:ma14="http://schemas.microsoft.com/office/mac/drawingml/2011/main" xmlns:a14="http://schemas.microsoft.com/office/drawing/2010/main" xmlns:m="http://schemas.openxmlformats.org/officeDocument/2006/math" xmlns="" val="1"/>
             </a:ext>
           </a:extLst>
         </p:spPr>
@@ -6392,7 +6890,7 @@
           </a:ln>
           <a:extLst>
             <a:ext uri="{C572A759-6A51-4108-AA02-DFA0A04FC94B}">
-              <ma14:wrappingTextBoxFlag xmlns="" xmlns:m="http://schemas.openxmlformats.org/officeDocument/2006/math" xmlns:a14="http://schemas.microsoft.com/office/drawing/2010/main" xmlns:ma14="http://schemas.microsoft.com/office/mac/drawingml/2011/main" val="1"/>
+              <ma14:wrappingTextBoxFlag xmlns:ma14="http://schemas.microsoft.com/office/mac/drawingml/2011/main" xmlns:a14="http://schemas.microsoft.com/office/drawing/2010/main" xmlns:m="http://schemas.openxmlformats.org/officeDocument/2006/math" xmlns="" val="1"/>
             </a:ext>
           </a:extLst>
         </p:spPr>
@@ -6489,7 +6987,7 @@
           </a:ln>
           <a:extLst>
             <a:ext uri="{C572A759-6A51-4108-AA02-DFA0A04FC94B}">
-              <ma14:wrappingTextBoxFlag xmlns="" xmlns:m="http://schemas.openxmlformats.org/officeDocument/2006/math" xmlns:a14="http://schemas.microsoft.com/office/drawing/2010/main" xmlns:ma14="http://schemas.microsoft.com/office/mac/drawingml/2011/main" val="1"/>
+              <ma14:wrappingTextBoxFlag xmlns:ma14="http://schemas.microsoft.com/office/mac/drawingml/2011/main" xmlns:a14="http://schemas.microsoft.com/office/drawing/2010/main" xmlns:m="http://schemas.openxmlformats.org/officeDocument/2006/math" xmlns="" val="1"/>
             </a:ext>
           </a:extLst>
         </p:spPr>
@@ -6586,7 +7084,7 @@
           </a:ln>
           <a:extLst>
             <a:ext uri="{C572A759-6A51-4108-AA02-DFA0A04FC94B}">
-              <ma14:wrappingTextBoxFlag xmlns="" xmlns:m="http://schemas.openxmlformats.org/officeDocument/2006/math" xmlns:a14="http://schemas.microsoft.com/office/drawing/2010/main" xmlns:ma14="http://schemas.microsoft.com/office/mac/drawingml/2011/main" val="1"/>
+              <ma14:wrappingTextBoxFlag xmlns:ma14="http://schemas.microsoft.com/office/mac/drawingml/2011/main" xmlns:a14="http://schemas.microsoft.com/office/drawing/2010/main" xmlns:m="http://schemas.openxmlformats.org/officeDocument/2006/math" xmlns="" val="1"/>
             </a:ext>
           </a:extLst>
         </p:spPr>
@@ -6832,7 +7330,7 @@
           </a:prstGeom>
           <a:extLst>
             <a:ext uri="{C572A759-6A51-4108-AA02-DFA0A04FC94B}">
-              <ma14:wrappingTextBoxFlag xmlns:ma14="http://schemas.microsoft.com/office/mac/drawingml/2011/main" xmlns:a14="http://schemas.microsoft.com/office/drawing/2010/main" xmlns:m="http://schemas.openxmlformats.org/officeDocument/2006/math" xmlns="" val="1"/>
+              <ma14:wrappingTextBoxFlag xmlns="" xmlns:m="http://schemas.openxmlformats.org/officeDocument/2006/math" xmlns:a14="http://schemas.microsoft.com/office/drawing/2010/main" xmlns:ma14="http://schemas.microsoft.com/office/mac/drawingml/2011/main" val="1"/>
             </a:ext>
           </a:extLst>
         </p:spPr>
@@ -6879,7 +7377,7 @@
           </a:ln>
           <a:extLst>
             <a:ext uri="{C572A759-6A51-4108-AA02-DFA0A04FC94B}">
-              <ma14:wrappingTextBoxFlag xmlns:ma14="http://schemas.microsoft.com/office/mac/drawingml/2011/main" xmlns:a14="http://schemas.microsoft.com/office/drawing/2010/main" xmlns:m="http://schemas.openxmlformats.org/officeDocument/2006/math" xmlns="" val="1"/>
+              <ma14:wrappingTextBoxFlag xmlns="" xmlns:m="http://schemas.openxmlformats.org/officeDocument/2006/math" xmlns:a14="http://schemas.microsoft.com/office/drawing/2010/main" xmlns:ma14="http://schemas.microsoft.com/office/mac/drawingml/2011/main" val="1"/>
             </a:ext>
           </a:extLst>
         </p:spPr>
@@ -6952,7 +7450,7 @@
           </a:ln>
           <a:extLst>
             <a:ext uri="{C572A759-6A51-4108-AA02-DFA0A04FC94B}">
-              <ma14:wrappingTextBoxFlag xmlns:ma14="http://schemas.microsoft.com/office/mac/drawingml/2011/main" xmlns:a14="http://schemas.microsoft.com/office/drawing/2010/main" xmlns:m="http://schemas.openxmlformats.org/officeDocument/2006/math" xmlns="" val="1"/>
+              <ma14:wrappingTextBoxFlag xmlns="" xmlns:m="http://schemas.openxmlformats.org/officeDocument/2006/math" xmlns:a14="http://schemas.microsoft.com/office/drawing/2010/main" xmlns:ma14="http://schemas.microsoft.com/office/mac/drawingml/2011/main" val="1"/>
             </a:ext>
           </a:extLst>
         </p:spPr>
@@ -7021,7 +7519,7 @@
           </a:ln>
           <a:extLst>
             <a:ext uri="{C572A759-6A51-4108-AA02-DFA0A04FC94B}">
-              <ma14:wrappingTextBoxFlag xmlns:ma14="http://schemas.microsoft.com/office/mac/drawingml/2011/main" xmlns:a14="http://schemas.microsoft.com/office/drawing/2010/main" xmlns:m="http://schemas.openxmlformats.org/officeDocument/2006/math" xmlns="" val="1"/>
+              <ma14:wrappingTextBoxFlag xmlns="" xmlns:m="http://schemas.openxmlformats.org/officeDocument/2006/math" xmlns:a14="http://schemas.microsoft.com/office/drawing/2010/main" xmlns:ma14="http://schemas.microsoft.com/office/mac/drawingml/2011/main" val="1"/>
             </a:ext>
           </a:extLst>
         </p:spPr>
@@ -8224,7 +8722,7 @@
           </a:prstGeom>
           <a:extLst>
             <a:ext uri="{C572A759-6A51-4108-AA02-DFA0A04FC94B}">
-              <ma14:wrappingTextBoxFlag xmlns:ma14="http://schemas.microsoft.com/office/mac/drawingml/2011/main" xmlns:a14="http://schemas.microsoft.com/office/drawing/2010/main" xmlns:m="http://schemas.openxmlformats.org/officeDocument/2006/math" xmlns="" val="1"/>
+              <ma14:wrappingTextBoxFlag xmlns="" xmlns:m="http://schemas.openxmlformats.org/officeDocument/2006/math" xmlns:a14="http://schemas.microsoft.com/office/drawing/2010/main" xmlns:ma14="http://schemas.microsoft.com/office/mac/drawingml/2011/main" val="1"/>
             </a:ext>
           </a:extLst>
         </p:spPr>
@@ -8271,7 +8769,7 @@
           </a:ln>
           <a:extLst>
             <a:ext uri="{C572A759-6A51-4108-AA02-DFA0A04FC94B}">
-              <ma14:wrappingTextBoxFlag xmlns:ma14="http://schemas.microsoft.com/office/mac/drawingml/2011/main" xmlns:a14="http://schemas.microsoft.com/office/drawing/2010/main" xmlns:m="http://schemas.openxmlformats.org/officeDocument/2006/math" xmlns="" val="1"/>
+              <ma14:wrappingTextBoxFlag xmlns="" xmlns:m="http://schemas.openxmlformats.org/officeDocument/2006/math" xmlns:a14="http://schemas.microsoft.com/office/drawing/2010/main" xmlns:ma14="http://schemas.microsoft.com/office/mac/drawingml/2011/main" val="1"/>
             </a:ext>
           </a:extLst>
         </p:spPr>
@@ -8368,7 +8866,7 @@
           </a:ln>
           <a:extLst>
             <a:ext uri="{C572A759-6A51-4108-AA02-DFA0A04FC94B}">
-              <ma14:wrappingTextBoxFlag xmlns:ma14="http://schemas.microsoft.com/office/mac/drawingml/2011/main" xmlns:a14="http://schemas.microsoft.com/office/drawing/2010/main" xmlns:m="http://schemas.openxmlformats.org/officeDocument/2006/math" xmlns="" val="1"/>
+              <ma14:wrappingTextBoxFlag xmlns="" xmlns:m="http://schemas.openxmlformats.org/officeDocument/2006/math" xmlns:a14="http://schemas.microsoft.com/office/drawing/2010/main" xmlns:ma14="http://schemas.microsoft.com/office/mac/drawingml/2011/main" val="1"/>
             </a:ext>
           </a:extLst>
         </p:spPr>
@@ -8465,7 +8963,7 @@
           </a:ln>
           <a:extLst>
             <a:ext uri="{C572A759-6A51-4108-AA02-DFA0A04FC94B}">
-              <ma14:wrappingTextBoxFlag xmlns:ma14="http://schemas.microsoft.com/office/mac/drawingml/2011/main" xmlns:a14="http://schemas.microsoft.com/office/drawing/2010/main" xmlns:m="http://schemas.openxmlformats.org/officeDocument/2006/math" xmlns="" val="1"/>
+              <ma14:wrappingTextBoxFlag xmlns="" xmlns:m="http://schemas.openxmlformats.org/officeDocument/2006/math" xmlns:a14="http://schemas.microsoft.com/office/drawing/2010/main" xmlns:ma14="http://schemas.microsoft.com/office/mac/drawingml/2011/main" val="1"/>
             </a:ext>
           </a:extLst>
         </p:spPr>
@@ -8576,7 +9074,7 @@
           </a:prstGeom>
           <a:extLst>
             <a:ext uri="{C572A759-6A51-4108-AA02-DFA0A04FC94B}">
-              <ma14:wrappingTextBoxFlag xmlns="" xmlns:m="http://schemas.openxmlformats.org/officeDocument/2006/math" xmlns:a14="http://schemas.microsoft.com/office/drawing/2010/main" xmlns:ma14="http://schemas.microsoft.com/office/mac/drawingml/2011/main" val="1"/>
+              <ma14:wrappingTextBoxFlag xmlns:ma14="http://schemas.microsoft.com/office/mac/drawingml/2011/main" xmlns:a14="http://schemas.microsoft.com/office/drawing/2010/main" xmlns:m="http://schemas.openxmlformats.org/officeDocument/2006/math" xmlns="" val="1"/>
             </a:ext>
           </a:extLst>
         </p:spPr>
@@ -9244,7 +9742,7 @@
           </a:ln>
           <a:extLst>
             <a:ext uri="{C572A759-6A51-4108-AA02-DFA0A04FC94B}">
-              <ma14:wrappingTextBoxFlag xmlns="" xmlns:m="http://schemas.openxmlformats.org/officeDocument/2006/math" xmlns:a14="http://schemas.microsoft.com/office/drawing/2010/main" xmlns:ma14="http://schemas.microsoft.com/office/mac/drawingml/2011/main" val="1"/>
+              <ma14:wrappingTextBoxFlag xmlns:ma14="http://schemas.microsoft.com/office/mac/drawingml/2011/main" xmlns:a14="http://schemas.microsoft.com/office/drawing/2010/main" xmlns:m="http://schemas.openxmlformats.org/officeDocument/2006/math" xmlns="" val="1"/>
             </a:ext>
           </a:extLst>
         </p:spPr>
@@ -9578,7 +10076,7 @@
           </a:ln>
           <a:extLst>
             <a:ext uri="{C572A759-6A51-4108-AA02-DFA0A04FC94B}">
-              <ma14:wrappingTextBoxFlag xmlns="" xmlns:m="http://schemas.openxmlformats.org/officeDocument/2006/math" xmlns:a14="http://schemas.microsoft.com/office/drawing/2010/main" xmlns:ma14="http://schemas.microsoft.com/office/mac/drawingml/2011/main" val="1"/>
+              <ma14:wrappingTextBoxFlag xmlns:ma14="http://schemas.microsoft.com/office/mac/drawingml/2011/main" xmlns:a14="http://schemas.microsoft.com/office/drawing/2010/main" xmlns:m="http://schemas.openxmlformats.org/officeDocument/2006/math" xmlns="" val="1"/>
             </a:ext>
           </a:extLst>
         </p:spPr>
@@ -9655,7 +10153,7 @@
           </a:prstGeom>
           <a:extLst>
             <a:ext uri="{C572A759-6A51-4108-AA02-DFA0A04FC94B}">
-              <ma14:wrappingTextBoxFlag xmlns:ma14="http://schemas.microsoft.com/office/mac/drawingml/2011/main" xmlns:a14="http://schemas.microsoft.com/office/drawing/2010/main" xmlns:m="http://schemas.openxmlformats.org/officeDocument/2006/math" xmlns="" val="1"/>
+              <ma14:wrappingTextBoxFlag xmlns="" xmlns:m="http://schemas.openxmlformats.org/officeDocument/2006/math" xmlns:a14="http://schemas.microsoft.com/office/drawing/2010/main" xmlns:ma14="http://schemas.microsoft.com/office/mac/drawingml/2011/main" val="1"/>
             </a:ext>
           </a:extLst>
         </p:spPr>
@@ -10320,7 +10818,7 @@
           </a:ln>
           <a:extLst>
             <a:ext uri="{C572A759-6A51-4108-AA02-DFA0A04FC94B}">
-              <ma14:wrappingTextBoxFlag xmlns:ma14="http://schemas.microsoft.com/office/mac/drawingml/2011/main" xmlns:a14="http://schemas.microsoft.com/office/drawing/2010/main" xmlns:m="http://schemas.openxmlformats.org/officeDocument/2006/math" xmlns="" val="1"/>
+              <ma14:wrappingTextBoxFlag xmlns="" xmlns:m="http://schemas.openxmlformats.org/officeDocument/2006/math" xmlns:a14="http://schemas.microsoft.com/office/drawing/2010/main" xmlns:ma14="http://schemas.microsoft.com/office/mac/drawingml/2011/main" val="1"/>
             </a:ext>
           </a:extLst>
         </p:spPr>
@@ -10654,7 +11152,7 @@
           </a:ln>
           <a:extLst>
             <a:ext uri="{C572A759-6A51-4108-AA02-DFA0A04FC94B}">
-              <ma14:wrappingTextBoxFlag xmlns:ma14="http://schemas.microsoft.com/office/mac/drawingml/2011/main" xmlns:a14="http://schemas.microsoft.com/office/drawing/2010/main" xmlns:m="http://schemas.openxmlformats.org/officeDocument/2006/math" xmlns="" val="1"/>
+              <ma14:wrappingTextBoxFlag xmlns="" xmlns:m="http://schemas.openxmlformats.org/officeDocument/2006/math" xmlns:a14="http://schemas.microsoft.com/office/drawing/2010/main" xmlns:ma14="http://schemas.microsoft.com/office/mac/drawingml/2011/main" val="1"/>
             </a:ext>
           </a:extLst>
         </p:spPr>
@@ -10738,7 +11236,7 @@
           </a:prstGeom>
           <a:extLst>
             <a:ext uri="{C572A759-6A51-4108-AA02-DFA0A04FC94B}">
-              <ma14:wrappingTextBoxFlag xmlns="" xmlns:m="http://schemas.openxmlformats.org/officeDocument/2006/math" xmlns:a14="http://schemas.microsoft.com/office/drawing/2010/main" xmlns:ma14="http://schemas.microsoft.com/office/mac/drawingml/2011/main" val="1"/>
+              <ma14:wrappingTextBoxFlag xmlns:ma14="http://schemas.microsoft.com/office/mac/drawingml/2011/main" xmlns:a14="http://schemas.microsoft.com/office/drawing/2010/main" xmlns:m="http://schemas.openxmlformats.org/officeDocument/2006/math" xmlns="" val="1"/>
             </a:ext>
           </a:extLst>
         </p:spPr>
@@ -11060,7 +11558,7 @@
           </a:ln>
           <a:extLst>
             <a:ext uri="{C572A759-6A51-4108-AA02-DFA0A04FC94B}">
-              <ma14:wrappingTextBoxFlag xmlns="" xmlns:m="http://schemas.openxmlformats.org/officeDocument/2006/math" xmlns:a14="http://schemas.microsoft.com/office/drawing/2010/main" xmlns:ma14="http://schemas.microsoft.com/office/mac/drawingml/2011/main" val="1"/>
+              <ma14:wrappingTextBoxFlag xmlns:ma14="http://schemas.microsoft.com/office/mac/drawingml/2011/main" xmlns:a14="http://schemas.microsoft.com/office/drawing/2010/main" xmlns:m="http://schemas.openxmlformats.org/officeDocument/2006/math" xmlns="" val="1"/>
             </a:ext>
           </a:extLst>
         </p:spPr>
@@ -11304,7 +11802,7 @@
           </a:ln>
           <a:extLst>
             <a:ext uri="{C572A759-6A51-4108-AA02-DFA0A04FC94B}">
-              <ma14:wrappingTextBoxFlag xmlns="" xmlns:m="http://schemas.openxmlformats.org/officeDocument/2006/math" xmlns:a14="http://schemas.microsoft.com/office/drawing/2010/main" xmlns:ma14="http://schemas.microsoft.com/office/mac/drawingml/2011/main" val="1"/>
+              <ma14:wrappingTextBoxFlag xmlns:ma14="http://schemas.microsoft.com/office/mac/drawingml/2011/main" xmlns:a14="http://schemas.microsoft.com/office/drawing/2010/main" xmlns:m="http://schemas.openxmlformats.org/officeDocument/2006/math" xmlns="" val="1"/>
             </a:ext>
           </a:extLst>
         </p:spPr>
@@ -11380,7 +11878,7 @@
           </a:prstGeom>
           <a:extLst>
             <a:ext uri="{C572A759-6A51-4108-AA02-DFA0A04FC94B}">
-              <ma14:wrappingTextBoxFlag xmlns:ma14="http://schemas.microsoft.com/office/mac/drawingml/2011/main" xmlns:a14="http://schemas.microsoft.com/office/drawing/2010/main" xmlns:m="http://schemas.openxmlformats.org/officeDocument/2006/math" xmlns="" val="1"/>
+              <ma14:wrappingTextBoxFlag xmlns="" xmlns:m="http://schemas.openxmlformats.org/officeDocument/2006/math" xmlns:a14="http://schemas.microsoft.com/office/drawing/2010/main" xmlns:ma14="http://schemas.microsoft.com/office/mac/drawingml/2011/main" val="1"/>
             </a:ext>
           </a:extLst>
         </p:spPr>
@@ -11700,7 +12198,7 @@
           </a:ln>
           <a:extLst>
             <a:ext uri="{C572A759-6A51-4108-AA02-DFA0A04FC94B}">
-              <ma14:wrappingTextBoxFlag xmlns:ma14="http://schemas.microsoft.com/office/mac/drawingml/2011/main" xmlns:a14="http://schemas.microsoft.com/office/drawing/2010/main" xmlns:m="http://schemas.openxmlformats.org/officeDocument/2006/math" xmlns="" val="1"/>
+              <ma14:wrappingTextBoxFlag xmlns="" xmlns:m="http://schemas.openxmlformats.org/officeDocument/2006/math" xmlns:a14="http://schemas.microsoft.com/office/drawing/2010/main" xmlns:ma14="http://schemas.microsoft.com/office/mac/drawingml/2011/main" val="1"/>
             </a:ext>
           </a:extLst>
         </p:spPr>
@@ -11944,7 +12442,7 @@
           </a:ln>
           <a:extLst>
             <a:ext uri="{C572A759-6A51-4108-AA02-DFA0A04FC94B}">
-              <ma14:wrappingTextBoxFlag xmlns:ma14="http://schemas.microsoft.com/office/mac/drawingml/2011/main" xmlns:a14="http://schemas.microsoft.com/office/drawing/2010/main" xmlns:m="http://schemas.openxmlformats.org/officeDocument/2006/math" xmlns="" val="1"/>
+              <ma14:wrappingTextBoxFlag xmlns="" xmlns:m="http://schemas.openxmlformats.org/officeDocument/2006/math" xmlns:a14="http://schemas.microsoft.com/office/drawing/2010/main" xmlns:ma14="http://schemas.microsoft.com/office/mac/drawingml/2011/main" val="1"/>
             </a:ext>
           </a:extLst>
         </p:spPr>
@@ -12089,7 +12587,676 @@
     <p:bg>
       <p:bgPr>
         <a:solidFill>
-          <a:srgbClr val="FFFB00"/>
+          <a:srgbClr val="FFFF00"/>
+        </a:solidFill>
+        <a:effectLst/>
+      </p:bgPr>
+    </p:bg>
+    <p:spTree>
+      <p:nvGrpSpPr>
+        <p:cNvPr id="1" name=""/>
+        <p:cNvGrpSpPr/>
+        <p:nvPr/>
+      </p:nvGrpSpPr>
+      <p:grpSpPr>
+        <a:xfrm>
+          <a:off x="0" y="0"/>
+          <a:ext cx="0" cy="0"/>
+          <a:chOff x="0" y="0"/>
+          <a:chExt cx="0" cy="0"/>
+        </a:xfrm>
+      </p:grpSpPr>
+      <p:sp>
+        <p:nvSpPr>
+          <p:cNvPr id="2" name="Title 1">
+            <a:extLst>
+              <a:ext uri="{FF2B5EF4-FFF2-40B4-BE49-F238E27FC236}">
+                <a16:creationId xmlns:a16="http://schemas.microsoft.com/office/drawing/2014/main" id="{0F71ECB2-3D50-0D11-2D28-A4DF82A85675}"/>
+              </a:ext>
+            </a:extLst>
+          </p:cNvPr>
+          <p:cNvSpPr>
+            <a:spLocks noGrp="1"/>
+          </p:cNvSpPr>
+          <p:nvPr>
+            <p:ph type="title"/>
+          </p:nvPr>
+        </p:nvSpPr>
+        <p:spPr/>
+        <p:txBody>
+          <a:bodyPr/>
+          <a:lstStyle/>
+          <a:p>
+            <a:r>
+              <a:rPr lang="en-US" b="0" dirty="0"/>
+              <a:t>Practice Prompt</a:t>
+            </a:r>
+            <a:endParaRPr lang="en-US" dirty="0"/>
+          </a:p>
+        </p:txBody>
+      </p:sp>
+      <p:sp>
+        <p:nvSpPr>
+          <p:cNvPr id="3" name="Text Placeholder 2">
+            <a:extLst>
+              <a:ext uri="{FF2B5EF4-FFF2-40B4-BE49-F238E27FC236}">
+                <a16:creationId xmlns:a16="http://schemas.microsoft.com/office/drawing/2014/main" id="{C886A268-87E8-D4D3-2986-67443C038647}"/>
+              </a:ext>
+            </a:extLst>
+          </p:cNvPr>
+          <p:cNvSpPr>
+            <a:spLocks noGrp="1"/>
+          </p:cNvSpPr>
+          <p:nvPr>
+            <p:ph type="body" idx="1"/>
+          </p:nvPr>
+        </p:nvSpPr>
+        <p:spPr/>
+        <p:txBody>
+          <a:bodyPr/>
+          <a:lstStyle/>
+          <a:p>
+            <a:pPr marL="0" indent="0">
+              <a:buNone/>
+            </a:pPr>
+            <a:r>
+              <a:rPr lang="en-US" dirty="0"/>
+              <a:t>Create a Template for your organization to:</a:t>
+            </a:r>
+          </a:p>
+          <a:p>
+            <a:pPr marL="514350" indent="-514350">
+              <a:buFont typeface="+mj-lt"/>
+              <a:buAutoNum type="arabicPeriod"/>
+            </a:pPr>
+            <a:r>
+              <a:rPr lang="en-US" dirty="0"/>
+              <a:t>Create Advanced Google Searches to search for rival actor tactics in your area.</a:t>
+            </a:r>
+          </a:p>
+          <a:p>
+            <a:pPr marL="514350" indent="-514350">
+              <a:buFont typeface="+mj-lt"/>
+              <a:buAutoNum type="arabicPeriod"/>
+            </a:pPr>
+            <a:r>
+              <a:rPr lang="en-US" dirty="0"/>
+              <a:t>Create a broad planning guide based on a given problem set your organization typically encounters</a:t>
+            </a:r>
+          </a:p>
+          <a:p>
+            <a:endParaRPr lang="en-US" dirty="0"/>
+          </a:p>
+          <a:p>
+            <a:endParaRPr lang="en-US" dirty="0"/>
+          </a:p>
+        </p:txBody>
+      </p:sp>
+      <p:sp>
+        <p:nvSpPr>
+          <p:cNvPr id="4" name="English">
+            <a:extLst>
+              <a:ext uri="{FF2B5EF4-FFF2-40B4-BE49-F238E27FC236}">
+                <a16:creationId xmlns:a16="http://schemas.microsoft.com/office/drawing/2014/main" id="{7F4F6399-76E7-B29D-958F-FF1DDE3FEE64}"/>
+              </a:ext>
+            </a:extLst>
+          </p:cNvPr>
+          <p:cNvSpPr/>
+          <p:nvPr/>
+        </p:nvSpPr>
+        <p:spPr>
+          <a:xfrm>
+            <a:off x="5133143" y="5997604"/>
+            <a:ext cx="1925714" cy="703748"/>
+          </a:xfrm>
+          <a:prstGeom prst="rect">
+            <a:avLst/>
+          </a:prstGeom>
+          <a:solidFill>
+            <a:schemeClr val="bg1"/>
+          </a:solidFill>
+          <a:ln w="12700">
+            <a:solidFill>
+              <a:schemeClr val="accent1"/>
+            </a:solidFill>
+            <a:miter/>
+          </a:ln>
+          <a:extLst>
+            <a:ext uri="{C572A759-6A51-4108-AA02-DFA0A04FC94B}">
+              <ma14:wrappingTextBoxFlag xmlns:ma14="http://schemas.microsoft.com/office/mac/drawingml/2011/main" xmlns:a14="http://schemas.microsoft.com/office/drawing/2010/main" xmlns:m="http://schemas.openxmlformats.org/officeDocument/2006/math" xmlns="" val="1"/>
+            </a:ext>
+          </a:extLst>
+        </p:spPr>
+        <p:txBody>
+          <a:bodyPr lIns="45719" rIns="45719" anchor="ctr"/>
+          <a:lstStyle>
+            <a:lvl1pPr algn="ctr"/>
+          </a:lstStyle>
+          <a:p>
+            <a:pPr marL="139700" defTabSz="457200">
+              <a:lnSpc>
+                <a:spcPct val="100000"/>
+              </a:lnSpc>
+              <a:spcBef>
+                <a:spcPts val="0"/>
+              </a:spcBef>
+              <a:buClr>
+                <a:srgbClr val="1F2328"/>
+              </a:buClr>
+              <a:defRPr sz="2600">
+                <a:solidFill>
+                  <a:srgbClr val="FF40FF"/>
+                </a:solidFill>
+                <a:latin typeface="Helvetica Neue"/>
+                <a:ea typeface="Helvetica Neue"/>
+                <a:cs typeface="Helvetica Neue"/>
+                <a:sym typeface="Helvetica Neue"/>
+              </a:defRPr>
+            </a:pPr>
+            <a:r>
+              <a:rPr lang="en-US" sz="2000" b="1" dirty="0">
+                <a:latin typeface="+mn-lt"/>
+                <a:ea typeface="+mn-ea"/>
+                <a:cs typeface="+mn-cs"/>
+                <a:sym typeface="Helvetica"/>
+              </a:rPr>
+              <a:t>Provide Context</a:t>
+            </a:r>
+          </a:p>
+        </p:txBody>
+      </p:sp>
+      <p:sp>
+        <p:nvSpPr>
+          <p:cNvPr id="5" name="Spanish">
+            <a:extLst>
+              <a:ext uri="{FF2B5EF4-FFF2-40B4-BE49-F238E27FC236}">
+                <a16:creationId xmlns:a16="http://schemas.microsoft.com/office/drawing/2014/main" id="{D88AF8F7-BC37-BF37-9A9A-167279C67D5D}"/>
+              </a:ext>
+            </a:extLst>
+          </p:cNvPr>
+          <p:cNvSpPr/>
+          <p:nvPr/>
+        </p:nvSpPr>
+        <p:spPr>
+          <a:xfrm>
+            <a:off x="7671549" y="5993635"/>
+            <a:ext cx="2280484" cy="703748"/>
+          </a:xfrm>
+          <a:prstGeom prst="rect">
+            <a:avLst/>
+          </a:prstGeom>
+          <a:solidFill>
+            <a:schemeClr val="bg1"/>
+          </a:solidFill>
+          <a:ln w="12700">
+            <a:solidFill>
+              <a:schemeClr val="accent1"/>
+            </a:solidFill>
+            <a:miter/>
+          </a:ln>
+          <a:extLst>
+            <a:ext uri="{C572A759-6A51-4108-AA02-DFA0A04FC94B}">
+              <ma14:wrappingTextBoxFlag xmlns:ma14="http://schemas.microsoft.com/office/mac/drawingml/2011/main" xmlns:a14="http://schemas.microsoft.com/office/drawing/2010/main" xmlns:m="http://schemas.openxmlformats.org/officeDocument/2006/math" xmlns="" val="1"/>
+            </a:ext>
+          </a:extLst>
+        </p:spPr>
+        <p:txBody>
+          <a:bodyPr lIns="45719" rIns="45719" anchor="ctr"/>
+          <a:lstStyle>
+            <a:lvl1pPr algn="ctr"/>
+          </a:lstStyle>
+          <a:p>
+            <a:pPr marL="139700" defTabSz="457200">
+              <a:buClr>
+                <a:srgbClr val="1F2328"/>
+              </a:buClr>
+              <a:buSzPct val="100000"/>
+              <a:defRPr sz="2600">
+                <a:solidFill>
+                  <a:srgbClr val="942192"/>
+                </a:solidFill>
+                <a:latin typeface="Helvetica Neue"/>
+                <a:ea typeface="Helvetica Neue"/>
+                <a:cs typeface="Helvetica Neue"/>
+                <a:sym typeface="Helvetica Neue"/>
+              </a:defRPr>
+            </a:pPr>
+            <a:r>
+              <a:rPr lang="en-US" sz="2000" b="1" dirty="0">
+                <a:latin typeface="+mn-lt"/>
+                <a:ea typeface="+mn-ea"/>
+                <a:cs typeface="+mn-cs"/>
+                <a:sym typeface="Helvetica"/>
+              </a:rPr>
+              <a:t>Remind AI of Constraints</a:t>
+            </a:r>
+            <a:endParaRPr lang="en-US" sz="2000" dirty="0"/>
+          </a:p>
+        </p:txBody>
+      </p:sp>
+      <p:sp>
+        <p:nvSpPr>
+          <p:cNvPr id="6" name="English">
+            <a:extLst>
+              <a:ext uri="{FF2B5EF4-FFF2-40B4-BE49-F238E27FC236}">
+                <a16:creationId xmlns:a16="http://schemas.microsoft.com/office/drawing/2014/main" id="{022E8016-8DB1-10AA-76B5-51D3F92EBE1C}"/>
+              </a:ext>
+            </a:extLst>
+          </p:cNvPr>
+          <p:cNvSpPr/>
+          <p:nvPr/>
+        </p:nvSpPr>
+        <p:spPr>
+          <a:xfrm>
+            <a:off x="2717850" y="5993635"/>
+            <a:ext cx="1802601" cy="703748"/>
+          </a:xfrm>
+          <a:prstGeom prst="rect">
+            <a:avLst/>
+          </a:prstGeom>
+          <a:solidFill>
+            <a:schemeClr val="bg1"/>
+          </a:solidFill>
+          <a:ln w="12700">
+            <a:solidFill>
+              <a:schemeClr val="accent1"/>
+            </a:solidFill>
+            <a:miter/>
+          </a:ln>
+          <a:extLst>
+            <a:ext uri="{C572A759-6A51-4108-AA02-DFA0A04FC94B}">
+              <ma14:wrappingTextBoxFlag xmlns:ma14="http://schemas.microsoft.com/office/mac/drawingml/2011/main" xmlns:a14="http://schemas.microsoft.com/office/drawing/2010/main" xmlns:m="http://schemas.openxmlformats.org/officeDocument/2006/math" xmlns="" val="1"/>
+            </a:ext>
+          </a:extLst>
+        </p:spPr>
+        <p:txBody>
+          <a:bodyPr lIns="45719" rIns="45719" anchor="ctr"/>
+          <a:lstStyle>
+            <a:lvl1pPr algn="ctr"/>
+          </a:lstStyle>
+          <a:p>
+            <a:pPr marL="139700" defTabSz="457200">
+              <a:lnSpc>
+                <a:spcPct val="100000"/>
+              </a:lnSpc>
+              <a:spcBef>
+                <a:spcPts val="0"/>
+              </a:spcBef>
+              <a:buClr>
+                <a:srgbClr val="1F2328"/>
+              </a:buClr>
+              <a:defRPr sz="2600">
+                <a:solidFill>
+                  <a:srgbClr val="0433FF"/>
+                </a:solidFill>
+                <a:latin typeface="Helvetica Neue"/>
+                <a:ea typeface="Helvetica Neue"/>
+                <a:cs typeface="Helvetica Neue"/>
+                <a:sym typeface="Helvetica Neue"/>
+              </a:defRPr>
+            </a:pPr>
+            <a:r>
+              <a:rPr lang="en-US" sz="2000" b="1" dirty="0">
+                <a:latin typeface="+mn-lt"/>
+                <a:ea typeface="+mn-ea"/>
+                <a:cs typeface="+mn-cs"/>
+                <a:sym typeface="Helvetica"/>
+              </a:rPr>
+              <a:t>Be Specific</a:t>
+            </a:r>
+          </a:p>
+        </p:txBody>
+      </p:sp>
+    </p:spTree>
+    <p:extLst>
+      <p:ext uri="{BB962C8B-B14F-4D97-AF65-F5344CB8AC3E}">
+        <p14:creationId xmlns:p14="http://schemas.microsoft.com/office/powerpoint/2010/main" val="3054613404"/>
+      </p:ext>
+    </p:extLst>
+  </p:cSld>
+  <p:clrMapOvr>
+    <a:masterClrMapping/>
+  </p:clrMapOvr>
+  <p:transition spd="med"/>
+</p:sld>
+</file>
+
+<file path=ppt/slides/slide21.xml><?xml version="1.0" encoding="utf-8"?>
+<p:sld xmlns:a="http://schemas.openxmlformats.org/drawingml/2006/main" xmlns:r="http://schemas.openxmlformats.org/officeDocument/2006/relationships" xmlns:p="http://schemas.openxmlformats.org/presentationml/2006/main">
+  <p:cSld>
+    <p:spTree>
+      <p:nvGrpSpPr>
+        <p:cNvPr id="1" name=""/>
+        <p:cNvGrpSpPr/>
+        <p:nvPr/>
+      </p:nvGrpSpPr>
+      <p:grpSpPr>
+        <a:xfrm>
+          <a:off x="0" y="0"/>
+          <a:ext cx="0" cy="0"/>
+          <a:chOff x="0" y="0"/>
+          <a:chExt cx="0" cy="0"/>
+        </a:xfrm>
+      </p:grpSpPr>
+      <p:sp>
+        <p:nvSpPr>
+          <p:cNvPr id="2" name="Title 1">
+            <a:extLst>
+              <a:ext uri="{FF2B5EF4-FFF2-40B4-BE49-F238E27FC236}">
+                <a16:creationId xmlns:a16="http://schemas.microsoft.com/office/drawing/2014/main" id="{109E0BE8-F454-98A4-4692-9C4EAB496F5F}"/>
+              </a:ext>
+            </a:extLst>
+          </p:cNvPr>
+          <p:cNvSpPr>
+            <a:spLocks noGrp="1"/>
+          </p:cNvSpPr>
+          <p:nvPr>
+            <p:ph type="title"/>
+          </p:nvPr>
+        </p:nvSpPr>
+        <p:spPr/>
+        <p:txBody>
+          <a:bodyPr/>
+          <a:lstStyle/>
+          <a:p>
+            <a:r>
+              <a:rPr lang="en-US" dirty="0" err="1"/>
+              <a:t>Prácticas</a:t>
+            </a:r>
+            <a:r>
+              <a:rPr lang="en-US" dirty="0"/>
+              <a:t> para </a:t>
+            </a:r>
+            <a:r>
+              <a:rPr lang="en-US" dirty="0" err="1"/>
+              <a:t>Generar</a:t>
+            </a:r>
+            <a:r>
+              <a:rPr lang="en-US" dirty="0"/>
+              <a:t> </a:t>
+            </a:r>
+            <a:r>
+              <a:rPr lang="en-US" dirty="0" err="1"/>
+              <a:t>Contenido</a:t>
+            </a:r>
+            <a:endParaRPr lang="en-US" dirty="0"/>
+          </a:p>
+        </p:txBody>
+      </p:sp>
+      <p:sp>
+        <p:nvSpPr>
+          <p:cNvPr id="3" name="Text Placeholder 2">
+            <a:extLst>
+              <a:ext uri="{FF2B5EF4-FFF2-40B4-BE49-F238E27FC236}">
+                <a16:creationId xmlns:a16="http://schemas.microsoft.com/office/drawing/2014/main" id="{B0326A14-FC9F-2F7D-E8FD-8E80E7209FA3}"/>
+              </a:ext>
+            </a:extLst>
+          </p:cNvPr>
+          <p:cNvSpPr>
+            <a:spLocks noGrp="1"/>
+          </p:cNvSpPr>
+          <p:nvPr>
+            <p:ph type="body" idx="1"/>
+          </p:nvPr>
+        </p:nvSpPr>
+        <p:spPr/>
+        <p:txBody>
+          <a:bodyPr/>
+          <a:lstStyle/>
+          <a:p>
+            <a:pPr marL="0" indent="0">
+              <a:buNone/>
+            </a:pPr>
+            <a:r>
+              <a:rPr lang="en-US" dirty="0"/>
+              <a:t>Cree </a:t>
+            </a:r>
+            <a:r>
+              <a:rPr lang="en-US" dirty="0" err="1"/>
+              <a:t>una</a:t>
+            </a:r>
+            <a:r>
+              <a:rPr lang="en-US" dirty="0"/>
+              <a:t> </a:t>
+            </a:r>
+            <a:r>
+              <a:rPr lang="en-US" dirty="0" err="1"/>
+              <a:t>plantilla</a:t>
+            </a:r>
+            <a:r>
+              <a:rPr lang="en-US" dirty="0"/>
+              <a:t> para que </a:t>
+            </a:r>
+            <a:r>
+              <a:rPr lang="en-US" dirty="0" err="1"/>
+              <a:t>su</a:t>
+            </a:r>
+            <a:r>
+              <a:rPr lang="en-US" dirty="0"/>
+              <a:t> </a:t>
+            </a:r>
+            <a:r>
+              <a:rPr lang="en-US" dirty="0" err="1"/>
+              <a:t>organización</a:t>
+            </a:r>
+            <a:r>
+              <a:rPr lang="en-US" dirty="0"/>
+              <a:t>:</a:t>
+            </a:r>
+          </a:p>
+          <a:p>
+            <a:pPr marL="514350" indent="-514350">
+              <a:buFont typeface="+mj-lt"/>
+              <a:buAutoNum type="arabicPeriod"/>
+            </a:pPr>
+            <a:r>
+              <a:rPr lang="en-US" dirty="0"/>
+              <a:t>Cree </a:t>
+            </a:r>
+            <a:r>
+              <a:rPr lang="en-US" dirty="0" err="1"/>
+              <a:t>búsquedas</a:t>
+            </a:r>
+            <a:r>
+              <a:rPr lang="en-US" dirty="0"/>
+              <a:t> </a:t>
+            </a:r>
+            <a:r>
+              <a:rPr lang="en-US" dirty="0" err="1"/>
+              <a:t>avanzadas</a:t>
+            </a:r>
+            <a:r>
+              <a:rPr lang="en-US" dirty="0"/>
+              <a:t> </a:t>
+            </a:r>
+            <a:r>
+              <a:rPr lang="en-US" dirty="0" err="1"/>
+              <a:t>en</a:t>
+            </a:r>
+            <a:r>
+              <a:rPr lang="en-US" dirty="0"/>
+              <a:t> Google para </a:t>
+            </a:r>
+            <a:r>
+              <a:rPr lang="en-US" dirty="0" err="1"/>
+              <a:t>buscar</a:t>
+            </a:r>
+            <a:r>
+              <a:rPr lang="en-US" dirty="0"/>
+              <a:t> </a:t>
+            </a:r>
+            <a:r>
+              <a:rPr lang="en-US" dirty="0" err="1"/>
+              <a:t>tácticas</a:t>
+            </a:r>
+            <a:r>
+              <a:rPr lang="en-US" dirty="0"/>
+              <a:t> de </a:t>
+            </a:r>
+            <a:r>
+              <a:rPr lang="en-US" dirty="0" err="1"/>
+              <a:t>actores</a:t>
+            </a:r>
+            <a:r>
+              <a:rPr lang="en-US" dirty="0"/>
+              <a:t> </a:t>
+            </a:r>
+            <a:r>
+              <a:rPr lang="en-US" dirty="0" err="1"/>
+              <a:t>rivales</a:t>
+            </a:r>
+            <a:r>
+              <a:rPr lang="en-US" dirty="0"/>
+              <a:t> </a:t>
+            </a:r>
+            <a:r>
+              <a:rPr lang="en-US" dirty="0" err="1"/>
+              <a:t>en</a:t>
+            </a:r>
+            <a:r>
+              <a:rPr lang="en-US" dirty="0"/>
+              <a:t> </a:t>
+            </a:r>
+            <a:r>
+              <a:rPr lang="en-US" dirty="0" err="1"/>
+              <a:t>su</a:t>
+            </a:r>
+            <a:r>
+              <a:rPr lang="en-US" dirty="0"/>
+              <a:t> </a:t>
+            </a:r>
+            <a:r>
+              <a:rPr lang="en-US" dirty="0" err="1"/>
+              <a:t>área</a:t>
+            </a:r>
+            <a:endParaRPr lang="en-US" dirty="0"/>
+          </a:p>
+          <a:p>
+            <a:pPr marL="514350" indent="-514350">
+              <a:buFont typeface="+mj-lt"/>
+              <a:buAutoNum type="arabicPeriod"/>
+            </a:pPr>
+            <a:r>
+              <a:rPr lang="en-US" dirty="0"/>
+              <a:t>Cree </a:t>
+            </a:r>
+            <a:r>
+              <a:rPr lang="en-US" dirty="0" err="1"/>
+              <a:t>una</a:t>
+            </a:r>
+            <a:r>
+              <a:rPr lang="en-US" dirty="0"/>
+              <a:t> </a:t>
+            </a:r>
+            <a:r>
+              <a:rPr lang="en-US" dirty="0" err="1"/>
+              <a:t>guía</a:t>
+            </a:r>
+            <a:r>
+              <a:rPr lang="en-US" dirty="0"/>
+              <a:t> de </a:t>
+            </a:r>
+            <a:r>
+              <a:rPr lang="en-US" dirty="0" err="1"/>
+              <a:t>planificación</a:t>
+            </a:r>
+            <a:r>
+              <a:rPr lang="en-US" dirty="0"/>
+              <a:t> </a:t>
+            </a:r>
+            <a:r>
+              <a:rPr lang="en-US" dirty="0" err="1"/>
+              <a:t>amplia</a:t>
+            </a:r>
+            <a:r>
+              <a:rPr lang="en-US" dirty="0"/>
+              <a:t> </a:t>
+            </a:r>
+            <a:r>
+              <a:rPr lang="en-US" dirty="0" err="1"/>
+              <a:t>basada</a:t>
+            </a:r>
+            <a:r>
+              <a:rPr lang="en-US" dirty="0"/>
+              <a:t> </a:t>
+            </a:r>
+            <a:r>
+              <a:rPr lang="en-US" dirty="0" err="1"/>
+              <a:t>en</a:t>
+            </a:r>
+            <a:r>
+              <a:rPr lang="en-US" dirty="0"/>
+              <a:t> un conjunto de </a:t>
+            </a:r>
+            <a:r>
+              <a:rPr lang="en-US" dirty="0" err="1"/>
+              <a:t>problemas</a:t>
+            </a:r>
+            <a:r>
+              <a:rPr lang="en-US" dirty="0"/>
+              <a:t> </a:t>
+            </a:r>
+            <a:r>
+              <a:rPr lang="en-US" dirty="0" err="1"/>
+              <a:t>determinado</a:t>
+            </a:r>
+            <a:r>
+              <a:rPr lang="en-US" dirty="0"/>
+              <a:t> que </a:t>
+            </a:r>
+            <a:r>
+              <a:rPr lang="en-US" dirty="0" err="1"/>
+              <a:t>normalmente</a:t>
+            </a:r>
+            <a:r>
+              <a:rPr lang="en-US" dirty="0"/>
+              <a:t> </a:t>
+            </a:r>
+            <a:r>
+              <a:rPr lang="en-US" dirty="0" err="1"/>
+              <a:t>encuentra</a:t>
+            </a:r>
+            <a:r>
+              <a:rPr lang="en-US" dirty="0"/>
+              <a:t> </a:t>
+            </a:r>
+            <a:r>
+              <a:rPr lang="en-US" dirty="0" err="1"/>
+              <a:t>su</a:t>
+            </a:r>
+            <a:r>
+              <a:rPr lang="en-US" dirty="0"/>
+              <a:t> </a:t>
+            </a:r>
+            <a:r>
+              <a:rPr lang="en-US" dirty="0" err="1"/>
+              <a:t>organización</a:t>
+            </a:r>
+            <a:endParaRPr lang="en-US" dirty="0"/>
+          </a:p>
+        </p:txBody>
+      </p:sp>
+    </p:spTree>
+    <p:extLst>
+      <p:ext uri="{BB962C8B-B14F-4D97-AF65-F5344CB8AC3E}">
+        <p14:creationId xmlns:p14="http://schemas.microsoft.com/office/powerpoint/2010/main" val="2628903063"/>
+      </p:ext>
+    </p:extLst>
+  </p:cSld>
+  <p:clrMapOvr>
+    <a:masterClrMapping/>
+  </p:clrMapOvr>
+  <p:transition spd="med"/>
+</p:sld>
+</file>
+
+<file path=ppt/slides/slide22.xml><?xml version="1.0" encoding="utf-8"?>
+<p:sld xmlns:a="http://schemas.openxmlformats.org/drawingml/2006/main" xmlns:r="http://schemas.openxmlformats.org/officeDocument/2006/relationships" xmlns:p="http://schemas.openxmlformats.org/presentationml/2006/main">
+  <p:cSld>
+    <p:bg>
+      <p:bgPr>
+        <a:solidFill>
+          <a:srgbClr val="FFFF00"/>
         </a:solidFill>
         <a:effectLst/>
       </p:bgPr>
@@ -12117,7 +13284,7 @@
           <p:nvPr/>
         </p:nvPicPr>
         <p:blipFill>
-          <a:blip r:embed="rId2"/>
+          <a:blip r:embed="rId3"/>
           <a:stretch>
             <a:fillRect/>
           </a:stretch>
@@ -12180,7 +13347,7 @@
           </a:prstGeom>
           <a:extLst>
             <a:ext uri="{C572A759-6A51-4108-AA02-DFA0A04FC94B}">
-              <ma14:wrappingTextBoxFlag xmlns:ma14="http://schemas.microsoft.com/office/mac/drawingml/2011/main" xmlns:a14="http://schemas.microsoft.com/office/drawing/2010/main" xmlns:m="http://schemas.openxmlformats.org/officeDocument/2006/math" xmlns="" val="1"/>
+              <ma14:wrappingTextBoxFlag xmlns="" xmlns:m="http://schemas.openxmlformats.org/officeDocument/2006/math" xmlns:a14="http://schemas.microsoft.com/office/drawing/2010/main" xmlns:ma14="http://schemas.microsoft.com/office/mac/drawingml/2011/main" val="1"/>
             </a:ext>
           </a:extLst>
         </p:spPr>
@@ -12189,7 +13356,8 @@
           <a:lstStyle/>
           <a:p>
             <a:fld id="{86CB4B4D-7CA3-9044-876B-883B54F8677D}" type="slidenum">
-              <a:t>20</a:t>
+              <a:rPr/>
+              <a:t>22</a:t>
             </a:fld>
             <a:endParaRPr/>
           </a:p>
@@ -12204,7 +13372,7 @@
 </p:sld>
 </file>
 
-<file path=ppt/slides/slide21.xml><?xml version="1.0" encoding="utf-8"?>
+<file path=ppt/slides/slide23.xml><?xml version="1.0" encoding="utf-8"?>
 <p:sld xmlns:a="http://schemas.openxmlformats.org/drawingml/2006/main" xmlns:r="http://schemas.openxmlformats.org/officeDocument/2006/relationships" xmlns:p="http://schemas.openxmlformats.org/presentationml/2006/main">
   <p:cSld>
     <p:spTree>
@@ -12230,7 +13398,7 @@
           <p:nvPr/>
         </p:nvPicPr>
         <p:blipFill>
-          <a:blip r:embed="rId2"/>
+          <a:blip r:embed="rId3"/>
           <a:stretch>
             <a:fillRect/>
           </a:stretch>
@@ -12326,7 +13494,7 @@
           </a:prstGeom>
           <a:extLst>
             <a:ext uri="{C572A759-6A51-4108-AA02-DFA0A04FC94B}">
-              <ma14:wrappingTextBoxFlag xmlns:ma14="http://schemas.microsoft.com/office/mac/drawingml/2011/main" xmlns:a14="http://schemas.microsoft.com/office/drawing/2010/main" xmlns:m="http://schemas.openxmlformats.org/officeDocument/2006/math" xmlns="" val="1"/>
+              <ma14:wrappingTextBoxFlag xmlns="" xmlns:m="http://schemas.openxmlformats.org/officeDocument/2006/math" xmlns:a14="http://schemas.microsoft.com/office/drawing/2010/main" xmlns:ma14="http://schemas.microsoft.com/office/mac/drawingml/2011/main" val="1"/>
             </a:ext>
           </a:extLst>
         </p:spPr>
@@ -12335,7 +13503,8 @@
           <a:lstStyle/>
           <a:p>
             <a:fld id="{86CB4B4D-7CA3-9044-876B-883B54F8677D}" type="slidenum">
-              <a:t>21</a:t>
+              <a:rPr/>
+              <a:t>23</a:t>
             </a:fld>
             <a:endParaRPr/>
           </a:p>
@@ -12352,7 +13521,7 @@
         <p:push dir="u"/>
       </p:transition>
     </mc:Choice>
-    <mc:Fallback xmlns:a14="http://schemas.microsoft.com/office/drawing/2010/main" xmlns:m="http://schemas.openxmlformats.org/officeDocument/2006/math" xmlns="">
+    <mc:Fallback xmlns="" xmlns:m="http://schemas.openxmlformats.org/officeDocument/2006/math" xmlns:a14="http://schemas.microsoft.com/office/drawing/2010/main">
       <p:transition spd="slow">
         <p:fade/>
       </p:transition>
@@ -12361,7 +13530,7 @@
 </p:sld>
 </file>
 
-<file path=ppt/slides/slide22.xml><?xml version="1.0" encoding="utf-8"?>
+<file path=ppt/slides/slide24.xml><?xml version="1.0" encoding="utf-8"?>
 <p:sld xmlns:a="http://schemas.openxmlformats.org/drawingml/2006/main" xmlns:r="http://schemas.openxmlformats.org/officeDocument/2006/relationships" xmlns:p="http://schemas.openxmlformats.org/presentationml/2006/main">
   <p:cSld>
     <p:bg>
@@ -12562,7 +13731,7 @@
           </a:prstGeom>
           <a:extLst>
             <a:ext uri="{C572A759-6A51-4108-AA02-DFA0A04FC94B}">
-              <ma14:wrappingTextBoxFlag xmlns:ma14="http://schemas.microsoft.com/office/mac/drawingml/2011/main" xmlns:a14="http://schemas.microsoft.com/office/drawing/2010/main" xmlns:m="http://schemas.openxmlformats.org/officeDocument/2006/math" xmlns="" val="1"/>
+              <ma14:wrappingTextBoxFlag xmlns="" xmlns:m="http://schemas.openxmlformats.org/officeDocument/2006/math" xmlns:a14="http://schemas.microsoft.com/office/drawing/2010/main" xmlns:ma14="http://schemas.microsoft.com/office/mac/drawingml/2011/main" val="1"/>
             </a:ext>
           </a:extLst>
         </p:spPr>
@@ -12571,7 +13740,7 @@
           <a:lstStyle/>
           <a:p>
             <a:fld id="{86CB4B4D-7CA3-9044-876B-883B54F8677D}" type="slidenum">
-              <a:t>22</a:t>
+              <a:t>24</a:t>
             </a:fld>
             <a:endParaRPr/>
           </a:p>
@@ -12586,7 +13755,7 @@
 </p:sld>
 </file>
 
-<file path=ppt/slides/slide23.xml><?xml version="1.0" encoding="utf-8"?>
+<file path=ppt/slides/slide25.xml><?xml version="1.0" encoding="utf-8"?>
 <p:sld xmlns:a="http://schemas.openxmlformats.org/drawingml/2006/main" xmlns:r="http://schemas.openxmlformats.org/officeDocument/2006/relationships" xmlns:p="http://schemas.openxmlformats.org/presentationml/2006/main">
   <p:cSld>
     <p:spTree>
@@ -12770,7 +13939,7 @@
           </a:prstGeom>
           <a:extLst>
             <a:ext uri="{C572A759-6A51-4108-AA02-DFA0A04FC94B}">
-              <ma14:wrappingTextBoxFlag xmlns:ma14="http://schemas.microsoft.com/office/mac/drawingml/2011/main" xmlns:a14="http://schemas.microsoft.com/office/drawing/2010/main" xmlns:m="http://schemas.openxmlformats.org/officeDocument/2006/math" xmlns="" val="1"/>
+              <ma14:wrappingTextBoxFlag xmlns="" xmlns:m="http://schemas.openxmlformats.org/officeDocument/2006/math" xmlns:a14="http://schemas.microsoft.com/office/drawing/2010/main" xmlns:ma14="http://schemas.microsoft.com/office/mac/drawingml/2011/main" val="1"/>
             </a:ext>
           </a:extLst>
         </p:spPr>
@@ -12779,7 +13948,7 @@
           <a:lstStyle/>
           <a:p>
             <a:fld id="{86CB4B4D-7CA3-9044-876B-883B54F8677D}" type="slidenum">
-              <a:t>23</a:t>
+              <a:t>25</a:t>
             </a:fld>
             <a:endParaRPr/>
           </a:p>
@@ -12794,7 +13963,7 @@
 </p:sld>
 </file>
 
-<file path=ppt/slides/slide24.xml><?xml version="1.0" encoding="utf-8"?>
+<file path=ppt/slides/slide26.xml><?xml version="1.0" encoding="utf-8"?>
 <p:sld xmlns:a="http://schemas.openxmlformats.org/drawingml/2006/main" xmlns:r="http://schemas.openxmlformats.org/officeDocument/2006/relationships" xmlns:p="http://schemas.openxmlformats.org/presentationml/2006/main">
   <p:cSld>
     <p:bg>
@@ -12906,7 +14075,7 @@
           </a:ln>
           <a:extLst>
             <a:ext uri="{C572A759-6A51-4108-AA02-DFA0A04FC94B}">
-              <ma14:wrappingTextBoxFlag xmlns:ma14="http://schemas.microsoft.com/office/mac/drawingml/2011/main" xmlns:a14="http://schemas.microsoft.com/office/drawing/2010/main" xmlns:m="http://schemas.openxmlformats.org/officeDocument/2006/math" xmlns="" val="1"/>
+              <ma14:wrappingTextBoxFlag xmlns="" xmlns:m="http://schemas.openxmlformats.org/officeDocument/2006/math" xmlns:a14="http://schemas.microsoft.com/office/drawing/2010/main" xmlns:ma14="http://schemas.microsoft.com/office/mac/drawingml/2011/main" val="1"/>
             </a:ext>
           </a:extLst>
         </p:spPr>
@@ -12942,7 +14111,7 @@
           </a:prstGeom>
           <a:extLst>
             <a:ext uri="{C572A759-6A51-4108-AA02-DFA0A04FC94B}">
-              <ma14:wrappingTextBoxFlag xmlns:ma14="http://schemas.microsoft.com/office/mac/drawingml/2011/main" xmlns:a14="http://schemas.microsoft.com/office/drawing/2010/main" xmlns:m="http://schemas.openxmlformats.org/officeDocument/2006/math" xmlns="" val="1"/>
+              <ma14:wrappingTextBoxFlag xmlns="" xmlns:m="http://schemas.openxmlformats.org/officeDocument/2006/math" xmlns:a14="http://schemas.microsoft.com/office/drawing/2010/main" xmlns:ma14="http://schemas.microsoft.com/office/mac/drawingml/2011/main" val="1"/>
             </a:ext>
           </a:extLst>
         </p:spPr>
@@ -12951,7 +14120,7 @@
           <a:lstStyle/>
           <a:p>
             <a:fld id="{86CB4B4D-7CA3-9044-876B-883B54F8677D}" type="slidenum">
-              <a:t>24</a:t>
+              <a:t>26</a:t>
             </a:fld>
             <a:endParaRPr/>
           </a:p>
@@ -12968,7 +14137,7 @@
         <p:push dir="u"/>
       </p:transition>
     </mc:Choice>
-    <mc:Fallback xmlns:a14="http://schemas.microsoft.com/office/drawing/2010/main" xmlns:m="http://schemas.openxmlformats.org/officeDocument/2006/math" xmlns="">
+    <mc:Fallback xmlns="" xmlns:m="http://schemas.openxmlformats.org/officeDocument/2006/math" xmlns:a14="http://schemas.microsoft.com/office/drawing/2010/main">
       <p:transition spd="slow">
         <p:fade/>
       </p:transition>
@@ -12977,7 +14146,7 @@
 </p:sld>
 </file>
 
-<file path=ppt/slides/slide25.xml><?xml version="1.0" encoding="utf-8"?>
+<file path=ppt/slides/slide27.xml><?xml version="1.0" encoding="utf-8"?>
 <p:sld xmlns:a="http://schemas.openxmlformats.org/drawingml/2006/main" xmlns:r="http://schemas.openxmlformats.org/officeDocument/2006/relationships" xmlns:p="http://schemas.openxmlformats.org/presentationml/2006/main">
   <p:cSld>
     <p:spTree>
@@ -13081,7 +14250,7 @@
           </a:ln>
           <a:extLst>
             <a:ext uri="{C572A759-6A51-4108-AA02-DFA0A04FC94B}">
-              <ma14:wrappingTextBoxFlag xmlns:ma14="http://schemas.microsoft.com/office/mac/drawingml/2011/main" xmlns:a14="http://schemas.microsoft.com/office/drawing/2010/main" xmlns:m="http://schemas.openxmlformats.org/officeDocument/2006/math" xmlns="" val="1"/>
+              <ma14:wrappingTextBoxFlag xmlns="" xmlns:m="http://schemas.openxmlformats.org/officeDocument/2006/math" xmlns:a14="http://schemas.microsoft.com/office/drawing/2010/main" xmlns:ma14="http://schemas.microsoft.com/office/mac/drawingml/2011/main" val="1"/>
             </a:ext>
           </a:extLst>
         </p:spPr>
@@ -13117,7 +14286,7 @@
           </a:prstGeom>
           <a:extLst>
             <a:ext uri="{C572A759-6A51-4108-AA02-DFA0A04FC94B}">
-              <ma14:wrappingTextBoxFlag xmlns:ma14="http://schemas.microsoft.com/office/mac/drawingml/2011/main" xmlns:a14="http://schemas.microsoft.com/office/drawing/2010/main" xmlns:m="http://schemas.openxmlformats.org/officeDocument/2006/math" xmlns="" val="1"/>
+              <ma14:wrappingTextBoxFlag xmlns="" xmlns:m="http://schemas.openxmlformats.org/officeDocument/2006/math" xmlns:a14="http://schemas.microsoft.com/office/drawing/2010/main" xmlns:ma14="http://schemas.microsoft.com/office/mac/drawingml/2011/main" val="1"/>
             </a:ext>
           </a:extLst>
         </p:spPr>
@@ -13126,7 +14295,7 @@
           <a:lstStyle/>
           <a:p>
             <a:fld id="{86CB4B4D-7CA3-9044-876B-883B54F8677D}" type="slidenum">
-              <a:t>25</a:t>
+              <a:t>27</a:t>
             </a:fld>
             <a:endParaRPr/>
           </a:p>
@@ -13492,7 +14661,7 @@
           </a:prstGeom>
           <a:extLst>
             <a:ext uri="{C572A759-6A51-4108-AA02-DFA0A04FC94B}">
-              <ma14:wrappingTextBoxFlag xmlns:ma14="http://schemas.microsoft.com/office/mac/drawingml/2011/main" xmlns:a14="http://schemas.microsoft.com/office/drawing/2010/main" xmlns:m="http://schemas.openxmlformats.org/officeDocument/2006/math" xmlns="" val="1"/>
+              <ma14:wrappingTextBoxFlag xmlns="" xmlns:m="http://schemas.openxmlformats.org/officeDocument/2006/math" xmlns:a14="http://schemas.microsoft.com/office/drawing/2010/main" xmlns:ma14="http://schemas.microsoft.com/office/mac/drawingml/2011/main" val="1"/>
             </a:ext>
           </a:extLst>
         </p:spPr>
@@ -13535,7 +14704,7 @@
           </a:ln>
           <a:extLst>
             <a:ext uri="{C572A759-6A51-4108-AA02-DFA0A04FC94B}">
-              <ma14:wrappingTextBoxFlag xmlns:ma14="http://schemas.microsoft.com/office/mac/drawingml/2011/main" xmlns:a14="http://schemas.microsoft.com/office/drawing/2010/main" xmlns:m="http://schemas.openxmlformats.org/officeDocument/2006/math" xmlns="" val="1"/>
+              <ma14:wrappingTextBoxFlag xmlns="" xmlns:m="http://schemas.openxmlformats.org/officeDocument/2006/math" xmlns:a14="http://schemas.microsoft.com/office/drawing/2010/main" xmlns:ma14="http://schemas.microsoft.com/office/mac/drawingml/2011/main" val="1"/>
             </a:ext>
           </a:extLst>
         </p:spPr>
@@ -13836,7 +15005,7 @@
           </a:prstGeom>
           <a:extLst>
             <a:ext uri="{C572A759-6A51-4108-AA02-DFA0A04FC94B}">
-              <ma14:wrappingTextBoxFlag xmlns:ma14="http://schemas.microsoft.com/office/mac/drawingml/2011/main" xmlns:a14="http://schemas.microsoft.com/office/drawing/2010/main" xmlns:m="http://schemas.openxmlformats.org/officeDocument/2006/math" xmlns="" val="1"/>
+              <ma14:wrappingTextBoxFlag xmlns="" xmlns:m="http://schemas.openxmlformats.org/officeDocument/2006/math" xmlns:a14="http://schemas.microsoft.com/office/drawing/2010/main" xmlns:ma14="http://schemas.microsoft.com/office/mac/drawingml/2011/main" val="1"/>
             </a:ext>
           </a:extLst>
         </p:spPr>
@@ -14216,7 +15385,7 @@
           </a:ln>
           <a:extLst>
             <a:ext uri="{C572A759-6A51-4108-AA02-DFA0A04FC94B}">
-              <ma14:wrappingTextBoxFlag xmlns:ma14="http://schemas.microsoft.com/office/mac/drawingml/2011/main" xmlns:a14="http://schemas.microsoft.com/office/drawing/2010/main" xmlns:m="http://schemas.openxmlformats.org/officeDocument/2006/math" xmlns="" val="1"/>
+              <ma14:wrappingTextBoxFlag xmlns="" xmlns:m="http://schemas.openxmlformats.org/officeDocument/2006/math" xmlns:a14="http://schemas.microsoft.com/office/drawing/2010/main" xmlns:ma14="http://schemas.microsoft.com/office/mac/drawingml/2011/main" val="1"/>
             </a:ext>
           </a:extLst>
         </p:spPr>
@@ -14482,7 +15651,7 @@
           </a:ln>
           <a:extLst>
             <a:ext uri="{C572A759-6A51-4108-AA02-DFA0A04FC94B}">
-              <ma14:wrappingTextBoxFlag xmlns:ma14="http://schemas.microsoft.com/office/mac/drawingml/2011/main" xmlns:a14="http://schemas.microsoft.com/office/drawing/2010/main" xmlns:m="http://schemas.openxmlformats.org/officeDocument/2006/math" xmlns="" val="1"/>
+              <ma14:wrappingTextBoxFlag xmlns="" xmlns:m="http://schemas.openxmlformats.org/officeDocument/2006/math" xmlns:a14="http://schemas.microsoft.com/office/drawing/2010/main" xmlns:ma14="http://schemas.microsoft.com/office/mac/drawingml/2011/main" val="1"/>
             </a:ext>
           </a:extLst>
         </p:spPr>
@@ -14553,7 +15722,7 @@
           </a:prstGeom>
           <a:extLst>
             <a:ext uri="{C572A759-6A51-4108-AA02-DFA0A04FC94B}">
-              <ma14:wrappingTextBoxFlag xmlns:ma14="http://schemas.microsoft.com/office/mac/drawingml/2011/main" xmlns:a14="http://schemas.microsoft.com/office/drawing/2010/main" xmlns:m="http://schemas.openxmlformats.org/officeDocument/2006/math" xmlns="" val="1"/>
+              <ma14:wrappingTextBoxFlag xmlns="" xmlns:m="http://schemas.openxmlformats.org/officeDocument/2006/math" xmlns:a14="http://schemas.microsoft.com/office/drawing/2010/main" xmlns:ma14="http://schemas.microsoft.com/office/mac/drawingml/2011/main" val="1"/>
             </a:ext>
           </a:extLst>
         </p:spPr>
@@ -15072,7 +16241,7 @@
           </a:ln>
           <a:extLst>
             <a:ext uri="{C572A759-6A51-4108-AA02-DFA0A04FC94B}">
-              <ma14:wrappingTextBoxFlag xmlns:ma14="http://schemas.microsoft.com/office/mac/drawingml/2011/main" xmlns:a14="http://schemas.microsoft.com/office/drawing/2010/main" xmlns:m="http://schemas.openxmlformats.org/officeDocument/2006/math" xmlns="" val="1"/>
+              <ma14:wrappingTextBoxFlag xmlns="" xmlns:m="http://schemas.openxmlformats.org/officeDocument/2006/math" xmlns:a14="http://schemas.microsoft.com/office/drawing/2010/main" xmlns:ma14="http://schemas.microsoft.com/office/mac/drawingml/2011/main" val="1"/>
             </a:ext>
           </a:extLst>
         </p:spPr>
@@ -15304,7 +16473,7 @@
           </a:ln>
           <a:extLst>
             <a:ext uri="{C572A759-6A51-4108-AA02-DFA0A04FC94B}">
-              <ma14:wrappingTextBoxFlag xmlns:ma14="http://schemas.microsoft.com/office/mac/drawingml/2011/main" xmlns:a14="http://schemas.microsoft.com/office/drawing/2010/main" xmlns:m="http://schemas.openxmlformats.org/officeDocument/2006/math" xmlns="" val="1"/>
+              <ma14:wrappingTextBoxFlag xmlns="" xmlns:m="http://schemas.openxmlformats.org/officeDocument/2006/math" xmlns:a14="http://schemas.microsoft.com/office/drawing/2010/main" xmlns:ma14="http://schemas.microsoft.com/office/mac/drawingml/2011/main" val="1"/>
             </a:ext>
           </a:extLst>
         </p:spPr>
@@ -15361,7 +16530,7 @@
           </a:ln>
           <a:extLst>
             <a:ext uri="{C572A759-6A51-4108-AA02-DFA0A04FC94B}">
-              <ma14:wrappingTextBoxFlag xmlns:ma14="http://schemas.microsoft.com/office/mac/drawingml/2011/main" xmlns:a14="http://schemas.microsoft.com/office/drawing/2010/main" xmlns:m="http://schemas.openxmlformats.org/officeDocument/2006/math" xmlns="" val="1"/>
+              <ma14:wrappingTextBoxFlag xmlns="" xmlns:m="http://schemas.openxmlformats.org/officeDocument/2006/math" xmlns:a14="http://schemas.microsoft.com/office/drawing/2010/main" xmlns:ma14="http://schemas.microsoft.com/office/mac/drawingml/2011/main" val="1"/>
             </a:ext>
           </a:extLst>
         </p:spPr>
@@ -15458,7 +16627,7 @@
           </a:ln>
           <a:extLst>
             <a:ext uri="{C572A759-6A51-4108-AA02-DFA0A04FC94B}">
-              <ma14:wrappingTextBoxFlag xmlns:ma14="http://schemas.microsoft.com/office/mac/drawingml/2011/main" xmlns:a14="http://schemas.microsoft.com/office/drawing/2010/main" xmlns:m="http://schemas.openxmlformats.org/officeDocument/2006/math" xmlns="" val="1"/>
+              <ma14:wrappingTextBoxFlag xmlns="" xmlns:m="http://schemas.openxmlformats.org/officeDocument/2006/math" xmlns:a14="http://schemas.microsoft.com/office/drawing/2010/main" xmlns:ma14="http://schemas.microsoft.com/office/mac/drawingml/2011/main" val="1"/>
             </a:ext>
           </a:extLst>
         </p:spPr>
@@ -15555,7 +16724,7 @@
           </a:ln>
           <a:extLst>
             <a:ext uri="{C572A759-6A51-4108-AA02-DFA0A04FC94B}">
-              <ma14:wrappingTextBoxFlag xmlns:ma14="http://schemas.microsoft.com/office/mac/drawingml/2011/main" xmlns:a14="http://schemas.microsoft.com/office/drawing/2010/main" xmlns:m="http://schemas.openxmlformats.org/officeDocument/2006/math" xmlns="" val="1"/>
+              <ma14:wrappingTextBoxFlag xmlns="" xmlns:m="http://schemas.openxmlformats.org/officeDocument/2006/math" xmlns:a14="http://schemas.microsoft.com/office/drawing/2010/main" xmlns:ma14="http://schemas.microsoft.com/office/mac/drawingml/2011/main" val="1"/>
             </a:ext>
           </a:extLst>
         </p:spPr>
@@ -15766,7 +16935,7 @@
           </a:prstGeom>
           <a:extLst>
             <a:ext uri="{C572A759-6A51-4108-AA02-DFA0A04FC94B}">
-              <ma14:wrappingTextBoxFlag xmlns:ma14="http://schemas.microsoft.com/office/mac/drawingml/2011/main" xmlns:a14="http://schemas.microsoft.com/office/drawing/2010/main" xmlns:m="http://schemas.openxmlformats.org/officeDocument/2006/math" xmlns="" val="1"/>
+              <ma14:wrappingTextBoxFlag xmlns="" xmlns:m="http://schemas.openxmlformats.org/officeDocument/2006/math" xmlns:a14="http://schemas.microsoft.com/office/drawing/2010/main" xmlns:ma14="http://schemas.microsoft.com/office/mac/drawingml/2011/main" val="1"/>
             </a:ext>
           </a:extLst>
         </p:spPr>
@@ -15813,7 +16982,7 @@
           </a:ln>
           <a:extLst>
             <a:ext uri="{C572A759-6A51-4108-AA02-DFA0A04FC94B}">
-              <ma14:wrappingTextBoxFlag xmlns:ma14="http://schemas.microsoft.com/office/mac/drawingml/2011/main" xmlns:a14="http://schemas.microsoft.com/office/drawing/2010/main" xmlns:m="http://schemas.openxmlformats.org/officeDocument/2006/math" xmlns="" val="1"/>
+              <ma14:wrappingTextBoxFlag xmlns="" xmlns:m="http://schemas.openxmlformats.org/officeDocument/2006/math" xmlns:a14="http://schemas.microsoft.com/office/drawing/2010/main" xmlns:ma14="http://schemas.microsoft.com/office/mac/drawingml/2011/main" val="1"/>
             </a:ext>
           </a:extLst>
         </p:spPr>
@@ -15886,7 +17055,7 @@
           </a:ln>
           <a:extLst>
             <a:ext uri="{C572A759-6A51-4108-AA02-DFA0A04FC94B}">
-              <ma14:wrappingTextBoxFlag xmlns:ma14="http://schemas.microsoft.com/office/mac/drawingml/2011/main" xmlns:a14="http://schemas.microsoft.com/office/drawing/2010/main" xmlns:m="http://schemas.openxmlformats.org/officeDocument/2006/math" xmlns="" val="1"/>
+              <ma14:wrappingTextBoxFlag xmlns="" xmlns:m="http://schemas.openxmlformats.org/officeDocument/2006/math" xmlns:a14="http://schemas.microsoft.com/office/drawing/2010/main" xmlns:ma14="http://schemas.microsoft.com/office/mac/drawingml/2011/main" val="1"/>
             </a:ext>
           </a:extLst>
         </p:spPr>
@@ -15955,7 +17124,7 @@
           </a:ln>
           <a:extLst>
             <a:ext uri="{C572A759-6A51-4108-AA02-DFA0A04FC94B}">
-              <ma14:wrappingTextBoxFlag xmlns:ma14="http://schemas.microsoft.com/office/mac/drawingml/2011/main" xmlns:a14="http://schemas.microsoft.com/office/drawing/2010/main" xmlns:m="http://schemas.openxmlformats.org/officeDocument/2006/math" xmlns="" val="1"/>
+              <ma14:wrappingTextBoxFlag xmlns="" xmlns:m="http://schemas.openxmlformats.org/officeDocument/2006/math" xmlns:a14="http://schemas.microsoft.com/office/drawing/2010/main" xmlns:ma14="http://schemas.microsoft.com/office/mac/drawingml/2011/main" val="1"/>
             </a:ext>
           </a:extLst>
         </p:spPr>
@@ -16090,7 +17259,7 @@
           </a:prstGeom>
           <a:extLst>
             <a:ext uri="{C572A759-6A51-4108-AA02-DFA0A04FC94B}">
-              <ma14:wrappingTextBoxFlag xmlns:ma14="http://schemas.microsoft.com/office/mac/drawingml/2011/main" xmlns:a14="http://schemas.microsoft.com/office/drawing/2010/main" xmlns:m="http://schemas.openxmlformats.org/officeDocument/2006/math" xmlns="" val="1"/>
+              <ma14:wrappingTextBoxFlag xmlns="" xmlns:m="http://schemas.openxmlformats.org/officeDocument/2006/math" xmlns:a14="http://schemas.microsoft.com/office/drawing/2010/main" xmlns:ma14="http://schemas.microsoft.com/office/mac/drawingml/2011/main" val="1"/>
             </a:ext>
           </a:extLst>
         </p:spPr>
@@ -16137,7 +17306,7 @@
           </a:ln>
           <a:extLst>
             <a:ext uri="{C572A759-6A51-4108-AA02-DFA0A04FC94B}">
-              <ma14:wrappingTextBoxFlag xmlns:ma14="http://schemas.microsoft.com/office/mac/drawingml/2011/main" xmlns:a14="http://schemas.microsoft.com/office/drawing/2010/main" xmlns:m="http://schemas.openxmlformats.org/officeDocument/2006/math" xmlns="" val="1"/>
+              <ma14:wrappingTextBoxFlag xmlns="" xmlns:m="http://schemas.openxmlformats.org/officeDocument/2006/math" xmlns:a14="http://schemas.microsoft.com/office/drawing/2010/main" xmlns:ma14="http://schemas.microsoft.com/office/mac/drawingml/2011/main" val="1"/>
             </a:ext>
           </a:extLst>
         </p:spPr>
@@ -16234,7 +17403,7 @@
           </a:ln>
           <a:extLst>
             <a:ext uri="{C572A759-6A51-4108-AA02-DFA0A04FC94B}">
-              <ma14:wrappingTextBoxFlag xmlns:ma14="http://schemas.microsoft.com/office/mac/drawingml/2011/main" xmlns:a14="http://schemas.microsoft.com/office/drawing/2010/main" xmlns:m="http://schemas.openxmlformats.org/officeDocument/2006/math" xmlns="" val="1"/>
+              <ma14:wrappingTextBoxFlag xmlns="" xmlns:m="http://schemas.openxmlformats.org/officeDocument/2006/math" xmlns:a14="http://schemas.microsoft.com/office/drawing/2010/main" xmlns:ma14="http://schemas.microsoft.com/office/mac/drawingml/2011/main" val="1"/>
             </a:ext>
           </a:extLst>
         </p:spPr>
@@ -16331,7 +17500,7 @@
           </a:ln>
           <a:extLst>
             <a:ext uri="{C572A759-6A51-4108-AA02-DFA0A04FC94B}">
-              <ma14:wrappingTextBoxFlag xmlns:ma14="http://schemas.microsoft.com/office/mac/drawingml/2011/main" xmlns:a14="http://schemas.microsoft.com/office/drawing/2010/main" xmlns:m="http://schemas.openxmlformats.org/officeDocument/2006/math" xmlns="" val="1"/>
+              <ma14:wrappingTextBoxFlag xmlns="" xmlns:m="http://schemas.openxmlformats.org/officeDocument/2006/math" xmlns:a14="http://schemas.microsoft.com/office/drawing/2010/main" xmlns:ma14="http://schemas.microsoft.com/office/mac/drawingml/2011/main" val="1"/>
             </a:ext>
           </a:extLst>
         </p:spPr>
@@ -17264,7 +18433,7 @@
           </a:prstGeom>
           <a:extLst>
             <a:ext uri="{C572A759-6A51-4108-AA02-DFA0A04FC94B}">
-              <ma14:wrappingTextBoxFlag xmlns="" xmlns:m="http://schemas.openxmlformats.org/officeDocument/2006/math" xmlns:a14="http://schemas.microsoft.com/office/drawing/2010/main" xmlns:ma14="http://schemas.microsoft.com/office/mac/drawingml/2011/main" val="1"/>
+              <ma14:wrappingTextBoxFlag xmlns:ma14="http://schemas.microsoft.com/office/mac/drawingml/2011/main" xmlns:a14="http://schemas.microsoft.com/office/drawing/2010/main" xmlns:m="http://schemas.openxmlformats.org/officeDocument/2006/math" xmlns="" val="1"/>
             </a:ext>
           </a:extLst>
         </p:spPr>
@@ -17311,7 +18480,7 @@
           </a:ln>
           <a:extLst>
             <a:ext uri="{C572A759-6A51-4108-AA02-DFA0A04FC94B}">
-              <ma14:wrappingTextBoxFlag xmlns="" xmlns:m="http://schemas.openxmlformats.org/officeDocument/2006/math" xmlns:a14="http://schemas.microsoft.com/office/drawing/2010/main" xmlns:ma14="http://schemas.microsoft.com/office/mac/drawingml/2011/main" val="1"/>
+              <ma14:wrappingTextBoxFlag xmlns:ma14="http://schemas.microsoft.com/office/mac/drawingml/2011/main" xmlns:a14="http://schemas.microsoft.com/office/drawing/2010/main" xmlns:m="http://schemas.openxmlformats.org/officeDocument/2006/math" xmlns="" val="1"/>
             </a:ext>
           </a:extLst>
         </p:spPr>
@@ -17384,7 +18553,7 @@
           </a:ln>
           <a:extLst>
             <a:ext uri="{C572A759-6A51-4108-AA02-DFA0A04FC94B}">
-              <ma14:wrappingTextBoxFlag xmlns="" xmlns:m="http://schemas.openxmlformats.org/officeDocument/2006/math" xmlns:a14="http://schemas.microsoft.com/office/drawing/2010/main" xmlns:ma14="http://schemas.microsoft.com/office/mac/drawingml/2011/main" val="1"/>
+              <ma14:wrappingTextBoxFlag xmlns:ma14="http://schemas.microsoft.com/office/mac/drawingml/2011/main" xmlns:a14="http://schemas.microsoft.com/office/drawing/2010/main" xmlns:m="http://schemas.openxmlformats.org/officeDocument/2006/math" xmlns="" val="1"/>
             </a:ext>
           </a:extLst>
         </p:spPr>
@@ -17453,7 +18622,7 @@
           </a:ln>
           <a:extLst>
             <a:ext uri="{C572A759-6A51-4108-AA02-DFA0A04FC94B}">
-              <ma14:wrappingTextBoxFlag xmlns="" xmlns:m="http://schemas.openxmlformats.org/officeDocument/2006/math" xmlns:a14="http://schemas.microsoft.com/office/drawing/2010/main" xmlns:ma14="http://schemas.microsoft.com/office/mac/drawingml/2011/main" val="1"/>
+              <ma14:wrappingTextBoxFlag xmlns:ma14="http://schemas.microsoft.com/office/mac/drawingml/2011/main" xmlns:a14="http://schemas.microsoft.com/office/drawing/2010/main" xmlns:m="http://schemas.openxmlformats.org/officeDocument/2006/math" xmlns="" val="1"/>
             </a:ext>
           </a:extLst>
         </p:spPr>
@@ -17804,7 +18973,7 @@
           </a:prstGeom>
           <a:extLst>
             <a:ext uri="{C572A759-6A51-4108-AA02-DFA0A04FC94B}">
-              <ma14:wrappingTextBoxFlag xmlns:ma14="http://schemas.microsoft.com/office/mac/drawingml/2011/main" xmlns:a14="http://schemas.microsoft.com/office/drawing/2010/main" xmlns:m="http://schemas.openxmlformats.org/officeDocument/2006/math" xmlns="" val="1"/>
+              <ma14:wrappingTextBoxFlag xmlns="" xmlns:m="http://schemas.openxmlformats.org/officeDocument/2006/math" xmlns:a14="http://schemas.microsoft.com/office/drawing/2010/main" xmlns:ma14="http://schemas.microsoft.com/office/mac/drawingml/2011/main" val="1"/>
             </a:ext>
           </a:extLst>
         </p:spPr>
@@ -17851,7 +19020,7 @@
           </a:ln>
           <a:extLst>
             <a:ext uri="{C572A759-6A51-4108-AA02-DFA0A04FC94B}">
-              <ma14:wrappingTextBoxFlag xmlns:ma14="http://schemas.microsoft.com/office/mac/drawingml/2011/main" xmlns:a14="http://schemas.microsoft.com/office/drawing/2010/main" xmlns:m="http://schemas.openxmlformats.org/officeDocument/2006/math" xmlns="" val="1"/>
+              <ma14:wrappingTextBoxFlag xmlns="" xmlns:m="http://schemas.openxmlformats.org/officeDocument/2006/math" xmlns:a14="http://schemas.microsoft.com/office/drawing/2010/main" xmlns:ma14="http://schemas.microsoft.com/office/mac/drawingml/2011/main" val="1"/>
             </a:ext>
           </a:extLst>
         </p:spPr>
@@ -17948,7 +19117,7 @@
           </a:ln>
           <a:extLst>
             <a:ext uri="{C572A759-6A51-4108-AA02-DFA0A04FC94B}">
-              <ma14:wrappingTextBoxFlag xmlns:ma14="http://schemas.microsoft.com/office/mac/drawingml/2011/main" xmlns:a14="http://schemas.microsoft.com/office/drawing/2010/main" xmlns:m="http://schemas.openxmlformats.org/officeDocument/2006/math" xmlns="" val="1"/>
+              <ma14:wrappingTextBoxFlag xmlns="" xmlns:m="http://schemas.openxmlformats.org/officeDocument/2006/math" xmlns:a14="http://schemas.microsoft.com/office/drawing/2010/main" xmlns:ma14="http://schemas.microsoft.com/office/mac/drawingml/2011/main" val="1"/>
             </a:ext>
           </a:extLst>
         </p:spPr>
@@ -18045,7 +19214,7 @@
           </a:ln>
           <a:extLst>
             <a:ext uri="{C572A759-6A51-4108-AA02-DFA0A04FC94B}">
-              <ma14:wrappingTextBoxFlag xmlns:ma14="http://schemas.microsoft.com/office/mac/drawingml/2011/main" xmlns:a14="http://schemas.microsoft.com/office/drawing/2010/main" xmlns:m="http://schemas.openxmlformats.org/officeDocument/2006/math" xmlns="" val="1"/>
+              <ma14:wrappingTextBoxFlag xmlns="" xmlns:m="http://schemas.openxmlformats.org/officeDocument/2006/math" xmlns:a14="http://schemas.microsoft.com/office/drawing/2010/main" xmlns:ma14="http://schemas.microsoft.com/office/mac/drawingml/2011/main" val="1"/>
             </a:ext>
           </a:extLst>
         </p:spPr>
